--- a/0.요구사항정의/1.Template/경과보고서.pptx
+++ b/0.요구사항정의/1.Template/경과보고서.pptx
@@ -6,6 +6,7 @@
   </p:sldMasterIdLst>
   <p:sldIdLst>
     <p:sldId id="259" r:id="rId2"/>
+    <p:sldId id="260" r:id="rId3"/>
   </p:sldIdLst>
   <p:sldSz cx="9144000" cy="6858000" type="screen4x3"/>
   <p:notesSz cx="6858000" cy="9144000"/>
@@ -288,7 +289,8 @@
           <a:p>
             <a:fld id="{02AC2A7C-A823-4D1D-BF0D-BC4EE17C23C0}" type="datetimeFigureOut">
               <a:rPr lang="ko-KR" altLang="en-US" smtClean="0"/>
-              <a:t>2016-07-07</a:t>
+              <a:pPr/>
+              <a:t>2016-07-08</a:t>
             </a:fld>
             <a:endParaRPr lang="ko-KR" altLang="en-US"/>
           </a:p>
@@ -330,6 +332,7 @@
           <a:p>
             <a:fld id="{892177E8-EB65-4059-B132-EF1F34C5D1D1}" type="slidenum">
               <a:rPr lang="ko-KR" altLang="en-US" smtClean="0"/>
+              <a:pPr/>
               <a:t>‹#›</a:t>
             </a:fld>
             <a:endParaRPr lang="ko-KR" altLang="en-US"/>
@@ -339,7 +342,7 @@
     </p:spTree>
     <p:extLst>
       <p:ext uri="{BB962C8B-B14F-4D97-AF65-F5344CB8AC3E}">
-        <p14:creationId xmlns:p14="http://schemas.microsoft.com/office/powerpoint/2010/main" val="3410724877"/>
+        <p14:creationId xmlns:p14="http://schemas.microsoft.com/office/powerpoint/2010/main" xmlns="" val="3410724877"/>
       </p:ext>
     </p:extLst>
   </p:cSld>
@@ -458,7 +461,8 @@
           <a:p>
             <a:fld id="{02AC2A7C-A823-4D1D-BF0D-BC4EE17C23C0}" type="datetimeFigureOut">
               <a:rPr lang="ko-KR" altLang="en-US" smtClean="0"/>
-              <a:t>2016-07-07</a:t>
+              <a:pPr/>
+              <a:t>2016-07-08</a:t>
             </a:fld>
             <a:endParaRPr lang="ko-KR" altLang="en-US"/>
           </a:p>
@@ -500,6 +504,7 @@
           <a:p>
             <a:fld id="{892177E8-EB65-4059-B132-EF1F34C5D1D1}" type="slidenum">
               <a:rPr lang="ko-KR" altLang="en-US" smtClean="0"/>
+              <a:pPr/>
               <a:t>‹#›</a:t>
             </a:fld>
             <a:endParaRPr lang="ko-KR" altLang="en-US"/>
@@ -509,7 +514,7 @@
     </p:spTree>
     <p:extLst>
       <p:ext uri="{BB962C8B-B14F-4D97-AF65-F5344CB8AC3E}">
-        <p14:creationId xmlns:p14="http://schemas.microsoft.com/office/powerpoint/2010/main" val="3169669685"/>
+        <p14:creationId xmlns:p14="http://schemas.microsoft.com/office/powerpoint/2010/main" xmlns="" val="3169669685"/>
       </p:ext>
     </p:extLst>
   </p:cSld>
@@ -638,7 +643,8 @@
           <a:p>
             <a:fld id="{02AC2A7C-A823-4D1D-BF0D-BC4EE17C23C0}" type="datetimeFigureOut">
               <a:rPr lang="ko-KR" altLang="en-US" smtClean="0"/>
-              <a:t>2016-07-07</a:t>
+              <a:pPr/>
+              <a:t>2016-07-08</a:t>
             </a:fld>
             <a:endParaRPr lang="ko-KR" altLang="en-US"/>
           </a:p>
@@ -680,6 +686,7 @@
           <a:p>
             <a:fld id="{892177E8-EB65-4059-B132-EF1F34C5D1D1}" type="slidenum">
               <a:rPr lang="ko-KR" altLang="en-US" smtClean="0"/>
+              <a:pPr/>
               <a:t>‹#›</a:t>
             </a:fld>
             <a:endParaRPr lang="ko-KR" altLang="en-US"/>
@@ -689,7 +696,7 @@
     </p:spTree>
     <p:extLst>
       <p:ext uri="{BB962C8B-B14F-4D97-AF65-F5344CB8AC3E}">
-        <p14:creationId xmlns:p14="http://schemas.microsoft.com/office/powerpoint/2010/main" val="400314594"/>
+        <p14:creationId xmlns:p14="http://schemas.microsoft.com/office/powerpoint/2010/main" xmlns="" val="400314594"/>
       </p:ext>
     </p:extLst>
   </p:cSld>
@@ -808,7 +815,8 @@
           <a:p>
             <a:fld id="{02AC2A7C-A823-4D1D-BF0D-BC4EE17C23C0}" type="datetimeFigureOut">
               <a:rPr lang="ko-KR" altLang="en-US" smtClean="0"/>
-              <a:t>2016-07-07</a:t>
+              <a:pPr/>
+              <a:t>2016-07-08</a:t>
             </a:fld>
             <a:endParaRPr lang="ko-KR" altLang="en-US"/>
           </a:p>
@@ -850,6 +858,7 @@
           <a:p>
             <a:fld id="{892177E8-EB65-4059-B132-EF1F34C5D1D1}" type="slidenum">
               <a:rPr lang="ko-KR" altLang="en-US" smtClean="0"/>
+              <a:pPr/>
               <a:t>‹#›</a:t>
             </a:fld>
             <a:endParaRPr lang="ko-KR" altLang="en-US"/>
@@ -859,7 +868,7 @@
     </p:spTree>
     <p:extLst>
       <p:ext uri="{BB962C8B-B14F-4D97-AF65-F5344CB8AC3E}">
-        <p14:creationId xmlns:p14="http://schemas.microsoft.com/office/powerpoint/2010/main" val="1503042366"/>
+        <p14:creationId xmlns:p14="http://schemas.microsoft.com/office/powerpoint/2010/main" xmlns="" val="1503042366"/>
       </p:ext>
     </p:extLst>
   </p:cSld>
@@ -1054,7 +1063,8 @@
           <a:p>
             <a:fld id="{02AC2A7C-A823-4D1D-BF0D-BC4EE17C23C0}" type="datetimeFigureOut">
               <a:rPr lang="ko-KR" altLang="en-US" smtClean="0"/>
-              <a:t>2016-07-07</a:t>
+              <a:pPr/>
+              <a:t>2016-07-08</a:t>
             </a:fld>
             <a:endParaRPr lang="ko-KR" altLang="en-US"/>
           </a:p>
@@ -1096,6 +1106,7 @@
           <a:p>
             <a:fld id="{892177E8-EB65-4059-B132-EF1F34C5D1D1}" type="slidenum">
               <a:rPr lang="ko-KR" altLang="en-US" smtClean="0"/>
+              <a:pPr/>
               <a:t>‹#›</a:t>
             </a:fld>
             <a:endParaRPr lang="ko-KR" altLang="en-US"/>
@@ -1105,7 +1116,7 @@
     </p:spTree>
     <p:extLst>
       <p:ext uri="{BB962C8B-B14F-4D97-AF65-F5344CB8AC3E}">
-        <p14:creationId xmlns:p14="http://schemas.microsoft.com/office/powerpoint/2010/main" val="136544160"/>
+        <p14:creationId xmlns:p14="http://schemas.microsoft.com/office/powerpoint/2010/main" xmlns="" val="136544160"/>
       </p:ext>
     </p:extLst>
   </p:cSld>
@@ -1342,7 +1353,8 @@
           <a:p>
             <a:fld id="{02AC2A7C-A823-4D1D-BF0D-BC4EE17C23C0}" type="datetimeFigureOut">
               <a:rPr lang="ko-KR" altLang="en-US" smtClean="0"/>
-              <a:t>2016-07-07</a:t>
+              <a:pPr/>
+              <a:t>2016-07-08</a:t>
             </a:fld>
             <a:endParaRPr lang="ko-KR" altLang="en-US"/>
           </a:p>
@@ -1384,6 +1396,7 @@
           <a:p>
             <a:fld id="{892177E8-EB65-4059-B132-EF1F34C5D1D1}" type="slidenum">
               <a:rPr lang="ko-KR" altLang="en-US" smtClean="0"/>
+              <a:pPr/>
               <a:t>‹#›</a:t>
             </a:fld>
             <a:endParaRPr lang="ko-KR" altLang="en-US"/>
@@ -1393,7 +1406,7 @@
     </p:spTree>
     <p:extLst>
       <p:ext uri="{BB962C8B-B14F-4D97-AF65-F5344CB8AC3E}">
-        <p14:creationId xmlns:p14="http://schemas.microsoft.com/office/powerpoint/2010/main" val="410452106"/>
+        <p14:creationId xmlns:p14="http://schemas.microsoft.com/office/powerpoint/2010/main" xmlns="" val="410452106"/>
       </p:ext>
     </p:extLst>
   </p:cSld>
@@ -1764,7 +1777,8 @@
           <a:p>
             <a:fld id="{02AC2A7C-A823-4D1D-BF0D-BC4EE17C23C0}" type="datetimeFigureOut">
               <a:rPr lang="ko-KR" altLang="en-US" smtClean="0"/>
-              <a:t>2016-07-07</a:t>
+              <a:pPr/>
+              <a:t>2016-07-08</a:t>
             </a:fld>
             <a:endParaRPr lang="ko-KR" altLang="en-US"/>
           </a:p>
@@ -1806,6 +1820,7 @@
           <a:p>
             <a:fld id="{892177E8-EB65-4059-B132-EF1F34C5D1D1}" type="slidenum">
               <a:rPr lang="ko-KR" altLang="en-US" smtClean="0"/>
+              <a:pPr/>
               <a:t>‹#›</a:t>
             </a:fld>
             <a:endParaRPr lang="ko-KR" altLang="en-US"/>
@@ -1815,7 +1830,7 @@
     </p:spTree>
     <p:extLst>
       <p:ext uri="{BB962C8B-B14F-4D97-AF65-F5344CB8AC3E}">
-        <p14:creationId xmlns:p14="http://schemas.microsoft.com/office/powerpoint/2010/main" val="2026264885"/>
+        <p14:creationId xmlns:p14="http://schemas.microsoft.com/office/powerpoint/2010/main" xmlns="" val="2026264885"/>
       </p:ext>
     </p:extLst>
   </p:cSld>
@@ -1882,7 +1897,8 @@
           <a:p>
             <a:fld id="{02AC2A7C-A823-4D1D-BF0D-BC4EE17C23C0}" type="datetimeFigureOut">
               <a:rPr lang="ko-KR" altLang="en-US" smtClean="0"/>
-              <a:t>2016-07-07</a:t>
+              <a:pPr/>
+              <a:t>2016-07-08</a:t>
             </a:fld>
             <a:endParaRPr lang="ko-KR" altLang="en-US"/>
           </a:p>
@@ -1924,6 +1940,7 @@
           <a:p>
             <a:fld id="{892177E8-EB65-4059-B132-EF1F34C5D1D1}" type="slidenum">
               <a:rPr lang="ko-KR" altLang="en-US" smtClean="0"/>
+              <a:pPr/>
               <a:t>‹#›</a:t>
             </a:fld>
             <a:endParaRPr lang="ko-KR" altLang="en-US"/>
@@ -1933,7 +1950,7 @@
     </p:spTree>
     <p:extLst>
       <p:ext uri="{BB962C8B-B14F-4D97-AF65-F5344CB8AC3E}">
-        <p14:creationId xmlns:p14="http://schemas.microsoft.com/office/powerpoint/2010/main" val="3021326990"/>
+        <p14:creationId xmlns:p14="http://schemas.microsoft.com/office/powerpoint/2010/main" xmlns="" val="3021326990"/>
       </p:ext>
     </p:extLst>
   </p:cSld>
@@ -1977,7 +1994,8 @@
           <a:p>
             <a:fld id="{02AC2A7C-A823-4D1D-BF0D-BC4EE17C23C0}" type="datetimeFigureOut">
               <a:rPr lang="ko-KR" altLang="en-US" smtClean="0"/>
-              <a:t>2016-07-07</a:t>
+              <a:pPr/>
+              <a:t>2016-07-08</a:t>
             </a:fld>
             <a:endParaRPr lang="ko-KR" altLang="en-US"/>
           </a:p>
@@ -2019,6 +2037,7 @@
           <a:p>
             <a:fld id="{892177E8-EB65-4059-B132-EF1F34C5D1D1}" type="slidenum">
               <a:rPr lang="ko-KR" altLang="en-US" smtClean="0"/>
+              <a:pPr/>
               <a:t>‹#›</a:t>
             </a:fld>
             <a:endParaRPr lang="ko-KR" altLang="en-US"/>
@@ -2028,7 +2047,7 @@
     </p:spTree>
     <p:extLst>
       <p:ext uri="{BB962C8B-B14F-4D97-AF65-F5344CB8AC3E}">
-        <p14:creationId xmlns:p14="http://schemas.microsoft.com/office/powerpoint/2010/main" val="3863736347"/>
+        <p14:creationId xmlns:p14="http://schemas.microsoft.com/office/powerpoint/2010/main" xmlns="" val="3863736347"/>
       </p:ext>
     </p:extLst>
   </p:cSld>
@@ -2254,7 +2273,8 @@
           <a:p>
             <a:fld id="{02AC2A7C-A823-4D1D-BF0D-BC4EE17C23C0}" type="datetimeFigureOut">
               <a:rPr lang="ko-KR" altLang="en-US" smtClean="0"/>
-              <a:t>2016-07-07</a:t>
+              <a:pPr/>
+              <a:t>2016-07-08</a:t>
             </a:fld>
             <a:endParaRPr lang="ko-KR" altLang="en-US"/>
           </a:p>
@@ -2296,6 +2316,7 @@
           <a:p>
             <a:fld id="{892177E8-EB65-4059-B132-EF1F34C5D1D1}" type="slidenum">
               <a:rPr lang="ko-KR" altLang="en-US" smtClean="0"/>
+              <a:pPr/>
               <a:t>‹#›</a:t>
             </a:fld>
             <a:endParaRPr lang="ko-KR" altLang="en-US"/>
@@ -2305,7 +2326,7 @@
     </p:spTree>
     <p:extLst>
       <p:ext uri="{BB962C8B-B14F-4D97-AF65-F5344CB8AC3E}">
-        <p14:creationId xmlns:p14="http://schemas.microsoft.com/office/powerpoint/2010/main" val="477173038"/>
+        <p14:creationId xmlns:p14="http://schemas.microsoft.com/office/powerpoint/2010/main" xmlns="" val="477173038"/>
       </p:ext>
     </p:extLst>
   </p:cSld>
@@ -2507,7 +2528,8 @@
           <a:p>
             <a:fld id="{02AC2A7C-A823-4D1D-BF0D-BC4EE17C23C0}" type="datetimeFigureOut">
               <a:rPr lang="ko-KR" altLang="en-US" smtClean="0"/>
-              <a:t>2016-07-07</a:t>
+              <a:pPr/>
+              <a:t>2016-07-08</a:t>
             </a:fld>
             <a:endParaRPr lang="ko-KR" altLang="en-US"/>
           </a:p>
@@ -2549,6 +2571,7 @@
           <a:p>
             <a:fld id="{892177E8-EB65-4059-B132-EF1F34C5D1D1}" type="slidenum">
               <a:rPr lang="ko-KR" altLang="en-US" smtClean="0"/>
+              <a:pPr/>
               <a:t>‹#›</a:t>
             </a:fld>
             <a:endParaRPr lang="ko-KR" altLang="en-US"/>
@@ -2558,7 +2581,7 @@
     </p:spTree>
     <p:extLst>
       <p:ext uri="{BB962C8B-B14F-4D97-AF65-F5344CB8AC3E}">
-        <p14:creationId xmlns:p14="http://schemas.microsoft.com/office/powerpoint/2010/main" val="1056246876"/>
+        <p14:creationId xmlns:p14="http://schemas.microsoft.com/office/powerpoint/2010/main" xmlns="" val="1056246876"/>
       </p:ext>
     </p:extLst>
   </p:cSld>
@@ -2720,7 +2743,8 @@
           <a:p>
             <a:fld id="{02AC2A7C-A823-4D1D-BF0D-BC4EE17C23C0}" type="datetimeFigureOut">
               <a:rPr lang="ko-KR" altLang="en-US" smtClean="0"/>
-              <a:t>2016-07-07</a:t>
+              <a:pPr/>
+              <a:t>2016-07-08</a:t>
             </a:fld>
             <a:endParaRPr lang="ko-KR" altLang="en-US"/>
           </a:p>
@@ -2798,6 +2822,7 @@
           <a:p>
             <a:fld id="{892177E8-EB65-4059-B132-EF1F34C5D1D1}" type="slidenum">
               <a:rPr lang="ko-KR" altLang="en-US" smtClean="0"/>
+              <a:pPr/>
               <a:t>‹#›</a:t>
             </a:fld>
             <a:endParaRPr lang="ko-KR" altLang="en-US"/>
@@ -2807,7 +2832,7 @@
     </p:spTree>
     <p:extLst>
       <p:ext uri="{BB962C8B-B14F-4D97-AF65-F5344CB8AC3E}">
-        <p14:creationId xmlns:p14="http://schemas.microsoft.com/office/powerpoint/2010/main" val="298597663"/>
+        <p14:creationId xmlns:p14="http://schemas.microsoft.com/office/powerpoint/2010/main" xmlns="" val="298597663"/>
       </p:ext>
     </p:extLst>
   </p:cSld>
@@ -4117,7 +4142,7 @@
     </p:spTree>
     <p:extLst>
       <p:ext uri="{BB962C8B-B14F-4D97-AF65-F5344CB8AC3E}">
-        <p14:creationId xmlns:p14="http://schemas.microsoft.com/office/powerpoint/2010/main" val="3659967953"/>
+        <p14:creationId xmlns:p14="http://schemas.microsoft.com/office/powerpoint/2010/main" xmlns="" val="3659967953"/>
       </p:ext>
     </p:extLst>
   </p:cSld>
@@ -4131,6 +4156,1171 @@
       </p:par>
     </p:tnLst>
   </p:timing>
+</p:sld>
+</file>
+
+<file path=ppt/slides/slide2.xml><?xml version="1.0" encoding="utf-8"?>
+<p:sld xmlns:a="http://schemas.openxmlformats.org/drawingml/2006/main" xmlns:r="http://schemas.openxmlformats.org/officeDocument/2006/relationships" xmlns:p="http://schemas.openxmlformats.org/presentationml/2006/main">
+  <p:cSld>
+    <p:spTree>
+      <p:nvGrpSpPr>
+        <p:cNvPr id="1" name=""/>
+        <p:cNvGrpSpPr/>
+        <p:nvPr/>
+      </p:nvGrpSpPr>
+      <p:grpSpPr>
+        <a:xfrm>
+          <a:off x="0" y="0"/>
+          <a:ext cx="0" cy="0"/>
+          <a:chOff x="0" y="0"/>
+          <a:chExt cx="0" cy="0"/>
+        </a:xfrm>
+      </p:grpSpPr>
+      <p:sp>
+        <p:nvSpPr>
+          <p:cNvPr id="14" name="모서리가 둥근 직사각형 13"/>
+          <p:cNvSpPr/>
+          <p:nvPr/>
+        </p:nvSpPr>
+        <p:spPr>
+          <a:xfrm>
+            <a:off x="231812" y="188640"/>
+            <a:ext cx="8660668" cy="720080"/>
+          </a:xfrm>
+          <a:prstGeom prst="roundRect">
+            <a:avLst>
+              <a:gd name="adj" fmla="val 16667"/>
+            </a:avLst>
+          </a:prstGeom>
+          <a:solidFill>
+            <a:srgbClr val="FFFF00"/>
+          </a:solidFill>
+          <a:ln>
+            <a:solidFill>
+              <a:schemeClr val="tx1"/>
+            </a:solidFill>
+          </a:ln>
+        </p:spPr>
+        <p:style>
+          <a:lnRef idx="2">
+            <a:schemeClr val="accent1">
+              <a:shade val="50000"/>
+            </a:schemeClr>
+          </a:lnRef>
+          <a:fillRef idx="1">
+            <a:schemeClr val="accent1"/>
+          </a:fillRef>
+          <a:effectRef idx="0">
+            <a:schemeClr val="accent1"/>
+          </a:effectRef>
+          <a:fontRef idx="minor">
+            <a:schemeClr val="lt1"/>
+          </a:fontRef>
+        </p:style>
+        <p:txBody>
+          <a:bodyPr anchor="ctr"/>
+          <a:lstStyle/>
+          <a:p>
+            <a:pPr algn="ctr">
+              <a:defRPr lang="ko-KR" altLang="en-US"/>
+            </a:pPr>
+            <a:r>
+              <a:rPr lang="en-US" altLang="ko-KR" sz="2800" b="1">
+                <a:solidFill>
+                  <a:schemeClr val="tx1"/>
+                </a:solidFill>
+              </a:rPr>
+              <a:t>5</a:t>
+            </a:r>
+            <a:r>
+              <a:rPr lang="ko-KR" altLang="en-US" sz="2800" b="1">
+                <a:solidFill>
+                  <a:schemeClr val="tx1"/>
+                </a:solidFill>
+              </a:rPr>
+              <a:t>조  </a:t>
+            </a:r>
+            <a:r>
+              <a:rPr lang="en-US" altLang="ko-KR" sz="2800" b="1">
+                <a:solidFill>
+                  <a:schemeClr val="tx1"/>
+                </a:solidFill>
+              </a:rPr>
+              <a:t>07</a:t>
+            </a:r>
+            <a:r>
+              <a:rPr lang="ko-KR" altLang="en-US" sz="2800" b="1">
+                <a:solidFill>
+                  <a:schemeClr val="tx1"/>
+                </a:solidFill>
+              </a:rPr>
+              <a:t>월 08일 경과 보고</a:t>
+            </a:r>
+          </a:p>
+        </p:txBody>
+      </p:sp>
+      <p:sp>
+        <p:nvSpPr>
+          <p:cNvPr id="29" name="모서리가 둥근 직사각형 28"/>
+          <p:cNvSpPr/>
+          <p:nvPr/>
+        </p:nvSpPr>
+        <p:spPr>
+          <a:xfrm>
+            <a:off x="231812" y="980728"/>
+            <a:ext cx="8660668" cy="252028"/>
+          </a:xfrm>
+          <a:prstGeom prst="roundRect">
+            <a:avLst>
+              <a:gd name="adj" fmla="val 16667"/>
+            </a:avLst>
+          </a:prstGeom>
+          <a:noFill/>
+          <a:ln>
+            <a:solidFill>
+              <a:schemeClr val="tx1"/>
+            </a:solidFill>
+          </a:ln>
+        </p:spPr>
+        <p:style>
+          <a:lnRef idx="2">
+            <a:schemeClr val="accent1">
+              <a:shade val="50000"/>
+            </a:schemeClr>
+          </a:lnRef>
+          <a:fillRef idx="1">
+            <a:schemeClr val="accent1"/>
+          </a:fillRef>
+          <a:effectRef idx="0">
+            <a:schemeClr val="accent1"/>
+          </a:effectRef>
+          <a:fontRef idx="minor">
+            <a:schemeClr val="lt1"/>
+          </a:fontRef>
+        </p:style>
+        <p:txBody>
+          <a:bodyPr anchor="ctr"/>
+          <a:lstStyle/>
+          <a:p>
+            <a:pPr algn="ctr">
+              <a:defRPr lang="ko-KR" altLang="en-US"/>
+            </a:pPr>
+            <a:endParaRPr lang="ko-KR" altLang="en-US" sz="1400" b="1">
+              <a:solidFill>
+                <a:schemeClr val="tx1"/>
+              </a:solidFill>
+            </a:endParaRPr>
+          </a:p>
+        </p:txBody>
+      </p:sp>
+      <p:sp>
+        <p:nvSpPr>
+          <p:cNvPr id="19" name="Rectangle 12"/>
+          <p:cNvSpPr>
+            <a:spLocks noChangeArrowheads="1"/>
+          </p:cNvSpPr>
+          <p:nvPr/>
+        </p:nvSpPr>
+        <p:spPr>
+          <a:xfrm>
+            <a:off x="251842" y="1412776"/>
+            <a:ext cx="4248150" cy="5040560"/>
+          </a:xfrm>
+          <a:prstGeom prst="rect">
+            <a:avLst/>
+          </a:prstGeom>
+          <a:noFill/>
+          <a:ln w="12700">
+            <a:solidFill>
+              <a:srgbClr val="808080"/>
+            </a:solidFill>
+            <a:miter/>
+          </a:ln>
+          <a:effectLst/>
+        </p:spPr>
+        <p:txBody>
+          <a:bodyPr/>
+          <a:lstStyle/>
+          <a:p>
+            <a:pPr marL="101600" lvl="0" indent="-101600" defTabSz="914400" eaLnBrk="0" latinLnBrk="0" hangingPunct="1">
+              <a:lnSpc>
+                <a:spcPct val="100000"/>
+              </a:lnSpc>
+              <a:spcBef>
+                <a:spcPct val="0"/>
+              </a:spcBef>
+              <a:spcAft>
+                <a:spcPct val="0"/>
+              </a:spcAft>
+              <a:buClrTx/>
+              <a:buNone/>
+              <a:defRPr lang="ko-KR"/>
+            </a:pPr>
+            <a:r>
+              <a:rPr lang="en-US" altLang="zh-CN" sz="1400" b="1" i="0" kern="0" spc="5">
+                <a:solidFill>
+                  <a:srgbClr val="CC0000"/>
+                </a:solidFill>
+                <a:effectLst>
+                  <a:outerShdw blurRad="38100" dist="38100" dir="2700000" algn="tl">
+                    <a:srgbClr val="C0C0C0"/>
+                  </a:outerShdw>
+                </a:effectLst>
+                <a:uLnTx/>
+                <a:uFillTx/>
+                <a:ea typeface="宋体"/>
+              </a:rPr>
+              <a:t>Current Status</a:t>
+            </a:r>
+          </a:p>
+          <a:p>
+            <a:pPr marL="101600" lvl="0" indent="-101600" defTabSz="914400" eaLnBrk="0" latinLnBrk="0" hangingPunct="1">
+              <a:lnSpc>
+                <a:spcPct val="100000"/>
+              </a:lnSpc>
+              <a:spcBef>
+                <a:spcPct val="0"/>
+              </a:spcBef>
+              <a:spcAft>
+                <a:spcPct val="0"/>
+              </a:spcAft>
+              <a:buClrTx/>
+              <a:buFont typeface="Wingdings"/>
+              <a:buNone/>
+              <a:defRPr lang="ko-KR"/>
+            </a:pPr>
+            <a:endParaRPr lang="ko-KR" altLang="en-US" sz="800" b="1" i="0" kern="0" spc="5">
+              <a:solidFill>
+                <a:srgbClr val="CC0000"/>
+              </a:solidFill>
+              <a:effectLst>
+                <a:outerShdw blurRad="38100" dist="38100" dir="2700000" algn="tl">
+                  <a:srgbClr val="C0C0C0"/>
+                </a:outerShdw>
+              </a:effectLst>
+              <a:uLnTx/>
+              <a:uFillTx/>
+              <a:ea typeface="宋体"/>
+            </a:endParaRPr>
+          </a:p>
+        </p:txBody>
+      </p:sp>
+      <p:sp>
+        <p:nvSpPr>
+          <p:cNvPr id="21" name="Rectangle 11"/>
+          <p:cNvSpPr>
+            <a:spLocks noChangeArrowheads="1"/>
+          </p:cNvSpPr>
+          <p:nvPr/>
+        </p:nvSpPr>
+        <p:spPr>
+          <a:xfrm>
+            <a:off x="4752020" y="1415493"/>
+            <a:ext cx="4176712" cy="5037843"/>
+          </a:xfrm>
+          <a:prstGeom prst="rect">
+            <a:avLst/>
+          </a:prstGeom>
+          <a:noFill/>
+          <a:ln w="12700">
+            <a:solidFill>
+              <a:srgbClr val="808080"/>
+            </a:solidFill>
+            <a:miter/>
+          </a:ln>
+          <a:effectLst/>
+        </p:spPr>
+        <p:txBody>
+          <a:bodyPr/>
+          <a:lstStyle/>
+          <a:p>
+            <a:pPr marL="101600" lvl="0" indent="-101600" defTabSz="914400" eaLnBrk="0" latinLnBrk="0" hangingPunct="1">
+              <a:lnSpc>
+                <a:spcPct val="100000"/>
+              </a:lnSpc>
+              <a:spcBef>
+                <a:spcPct val="0"/>
+              </a:spcBef>
+              <a:spcAft>
+                <a:spcPct val="0"/>
+              </a:spcAft>
+              <a:buClrTx/>
+              <a:buNone/>
+              <a:defRPr lang="ko-KR"/>
+            </a:pPr>
+            <a:r>
+              <a:rPr lang="en-US" altLang="zh-CN" sz="1200" b="1" i="0" kern="0" spc="5">
+                <a:solidFill>
+                  <a:srgbClr val="CC0000"/>
+                </a:solidFill>
+                <a:effectLst>
+                  <a:outerShdw blurRad="38100" dist="38100" dir="2700000" algn="tl">
+                    <a:srgbClr val="C0C0C0"/>
+                  </a:outerShdw>
+                </a:effectLst>
+                <a:uLnTx/>
+                <a:uFillTx/>
+                <a:ea typeface="宋体"/>
+              </a:rPr>
+              <a:t>Next Step</a:t>
+            </a:r>
+            <a:endParaRPr lang="en-US" altLang="zh-CN" sz="1800" b="0" i="0" kern="0" spc="5">
+              <a:solidFill>
+                <a:sysClr val="windowText" lastClr="000000"/>
+              </a:solidFill>
+              <a:uLnTx/>
+              <a:uFillTx/>
+              <a:ea typeface="宋体"/>
+            </a:endParaRPr>
+          </a:p>
+        </p:txBody>
+      </p:sp>
+      <p:sp>
+        <p:nvSpPr>
+          <p:cNvPr id="13" name="Text Box 3"/>
+          <p:cNvSpPr txBox="1">
+            <a:spLocks noChangeArrowheads="1"/>
+          </p:cNvSpPr>
+          <p:nvPr/>
+        </p:nvSpPr>
+        <p:spPr>
+          <a:xfrm>
+            <a:off x="467544" y="1700808"/>
+            <a:ext cx="3635148" cy="4140460"/>
+          </a:xfrm>
+          <a:prstGeom prst="rect">
+            <a:avLst/>
+          </a:prstGeom>
+          <a:noFill/>
+          <a:ln w="9525" algn="ctr">
+            <a:noFill/>
+            <a:miter/>
+          </a:ln>
+          <a:effectLst/>
+        </p:spPr>
+        <p:txBody>
+          <a:bodyPr/>
+          <a:lstStyle/>
+          <a:p>
+            <a:pPr marL="182563" indent="-182563">
+              <a:buClr>
+                <a:srgbClr val="00CC00"/>
+              </a:buClr>
+              <a:buFont typeface="Wingdings"/>
+              <a:buNone/>
+              <a:defRPr lang="ko-KR" altLang="en-US"/>
+            </a:pPr>
+            <a:endParaRPr lang="en-US" altLang="zh-CN" sz="1200" dirty="0">
+              <a:ea typeface="Verdana"/>
+              <a:cs typeface="Verdana"/>
+            </a:endParaRPr>
+          </a:p>
+          <a:p>
+            <a:pPr marL="182563" indent="-182563">
+              <a:buClr>
+                <a:srgbClr val="00CC00"/>
+              </a:buClr>
+              <a:buFont typeface="Wingdings"/>
+              <a:buChar char="n"/>
+              <a:defRPr lang="ko-KR" altLang="en-US"/>
+            </a:pPr>
+            <a:r>
+              <a:rPr lang="en-US" altLang="ko-KR" sz="1200" b="1" dirty="0">
+                <a:cs typeface="맑은 고딕"/>
+              </a:rPr>
+              <a:t>.Text </a:t>
+            </a:r>
+            <a:r>
+              <a:rPr lang="en-US" altLang="ko-KR" sz="1200" b="1" dirty="0"/>
+              <a:t>값이</a:t>
+            </a:r>
+            <a:r>
+              <a:rPr lang="en-US" altLang="ko-KR" sz="1200" b="1" dirty="0">
+                <a:cs typeface="맑은 고딕"/>
+              </a:rPr>
+              <a:t> </a:t>
+            </a:r>
+            <a:r>
+              <a:rPr lang="en-US" altLang="ko-KR" sz="1200" b="1" dirty="0"/>
+              <a:t>가변주소인</a:t>
+            </a:r>
+            <a:r>
+              <a:rPr lang="en-US" altLang="ko-KR" sz="1200" b="1" dirty="0">
+                <a:cs typeface="맑은 고딕"/>
+              </a:rPr>
+              <a:t> </a:t>
+            </a:r>
+            <a:r>
+              <a:rPr lang="en-US" altLang="ko-KR" sz="1200" b="1" dirty="0"/>
+              <a:t>것을</a:t>
+            </a:r>
+            <a:r>
+              <a:rPr lang="en-US" altLang="ko-KR" sz="1200" b="1" dirty="0">
+                <a:cs typeface="맑은 고딕"/>
+              </a:rPr>
+              <a:t> </a:t>
+            </a:r>
+            <a:r>
+              <a:rPr lang="en-US" altLang="ko-KR" sz="1200" b="1" dirty="0"/>
+              <a:t>확인</a:t>
+            </a:r>
+            <a:r>
+              <a:rPr lang="en-US" altLang="ko-KR" sz="1200" b="1" dirty="0">
+                <a:cs typeface="맑은 고딕"/>
+              </a:rPr>
+              <a:t> </a:t>
+            </a:r>
+            <a:r>
+              <a:rPr lang="en-US" altLang="ko-KR" sz="1200" b="1" dirty="0"/>
+              <a:t>기존</a:t>
+            </a:r>
+            <a:r>
+              <a:rPr lang="en-US" altLang="ko-KR" sz="1200" b="1" dirty="0">
+                <a:cs typeface="맑은 고딕"/>
+              </a:rPr>
+              <a:t> </a:t>
+            </a:r>
+            <a:r>
+              <a:rPr lang="en-US" altLang="ko-KR" sz="1200" b="1" dirty="0"/>
+              <a:t>코드의</a:t>
+            </a:r>
+            <a:r>
+              <a:rPr lang="en-US" altLang="ko-KR" sz="1200" b="1" dirty="0">
+                <a:cs typeface="맑은 고딕"/>
+              </a:rPr>
+              <a:t> </a:t>
+            </a:r>
+            <a:r>
+              <a:rPr lang="en-US" altLang="ko-KR" sz="1200" b="1" dirty="0"/>
+              <a:t>에러</a:t>
+            </a:r>
+            <a:r>
+              <a:rPr lang="en-US" altLang="ko-KR" sz="1200" b="1" dirty="0">
+                <a:cs typeface="맑은 고딕"/>
+              </a:rPr>
+              <a:t> </a:t>
+            </a:r>
+            <a:r>
+              <a:rPr lang="en-US" altLang="ko-KR" sz="1200" b="1" dirty="0"/>
+              <a:t>발견</a:t>
+            </a:r>
+            <a:r>
+              <a:rPr lang="en-US" altLang="ko-KR" sz="1200" b="1" dirty="0">
+                <a:cs typeface="맑은 고딕"/>
+              </a:rPr>
+              <a:t> </a:t>
+            </a:r>
+            <a:r>
+              <a:rPr lang="en-US" altLang="ko-KR" sz="1200" b="1" dirty="0"/>
+              <a:t>및</a:t>
+            </a:r>
+            <a:r>
+              <a:rPr lang="en-US" altLang="ko-KR" sz="1200" b="1" dirty="0">
+                <a:cs typeface="맑은 고딕"/>
+              </a:rPr>
+              <a:t> </a:t>
+            </a:r>
+            <a:r>
+              <a:rPr lang="en-US" altLang="ko-KR" sz="1200" b="1" dirty="0"/>
+              <a:t>수정작업</a:t>
+            </a:r>
+            <a:r>
+              <a:rPr lang="en-US" altLang="ko-KR" sz="1200" b="1" dirty="0">
+                <a:cs typeface="맑은 고딕"/>
+              </a:rPr>
+              <a:t> </a:t>
+            </a:r>
+            <a:r>
+              <a:rPr lang="en-US" altLang="ko-KR" sz="1200" b="1" dirty="0"/>
+              <a:t>시작</a:t>
+            </a:r>
+          </a:p>
+          <a:p>
+            <a:pPr marL="182563" indent="-182563">
+              <a:buClr>
+                <a:srgbClr val="00CC00"/>
+              </a:buClr>
+              <a:buFont typeface="Wingdings"/>
+              <a:buChar char="n"/>
+              <a:defRPr lang="ko-KR" altLang="en-US"/>
+            </a:pPr>
+            <a:endParaRPr lang="en-US" altLang="ko-KR" sz="1200" b="1" dirty="0"/>
+          </a:p>
+          <a:p>
+            <a:pPr marL="182563" indent="-182563">
+              <a:buClr>
+                <a:srgbClr val="00CC00"/>
+              </a:buClr>
+              <a:buFont typeface="Wingdings"/>
+              <a:buChar char="n"/>
+              <a:defRPr lang="ko-KR" altLang="en-US"/>
+            </a:pPr>
+            <a:endParaRPr lang="ko-KR" altLang="en-US" sz="1200" b="1" dirty="0"/>
+          </a:p>
+          <a:p>
+            <a:pPr marL="182563" indent="-182563">
+              <a:buClr>
+                <a:srgbClr val="00CC00"/>
+              </a:buClr>
+              <a:buFont typeface="Wingdings"/>
+              <a:buChar char="n"/>
+              <a:defRPr lang="ko-KR" altLang="en-US"/>
+            </a:pPr>
+            <a:r>
+              <a:rPr lang="en-US" altLang="ko-KR" sz="1200" b="1" dirty="0"/>
+              <a:t>샌드박스</a:t>
+            </a:r>
+            <a:r>
+              <a:rPr lang="en-US" altLang="ko-KR" sz="1200" b="1" dirty="0">
+                <a:cs typeface="맑은 고딕"/>
+              </a:rPr>
+              <a:t> </a:t>
+            </a:r>
+            <a:r>
+              <a:rPr lang="en-US" altLang="ko-KR" sz="1200" b="1" dirty="0"/>
+              <a:t>환경에서</a:t>
+            </a:r>
+            <a:r>
+              <a:rPr lang="en-US" altLang="ko-KR" sz="1200" b="1" dirty="0">
+                <a:cs typeface="맑은 고딕"/>
+              </a:rPr>
+              <a:t>  </a:t>
+            </a:r>
+            <a:r>
+              <a:rPr lang="en-US" altLang="ko-KR" sz="1200" b="1" dirty="0"/>
+              <a:t>악성코드</a:t>
+            </a:r>
+            <a:r>
+              <a:rPr lang="ko-KR" altLang="en-US" sz="1200" b="1" dirty="0"/>
+              <a:t> 동작</a:t>
+            </a:r>
+            <a:r>
+              <a:rPr lang="en-US" altLang="ko-KR" sz="1200" b="1" dirty="0">
+                <a:cs typeface="맑은 고딕"/>
+              </a:rPr>
+              <a:t> </a:t>
+            </a:r>
+            <a:r>
+              <a:rPr lang="en-US" altLang="ko-KR" sz="1200" b="1" dirty="0"/>
+              <a:t>로그</a:t>
+            </a:r>
+            <a:r>
+              <a:rPr lang="en-US" altLang="ko-KR" sz="1200" b="1" dirty="0">
+                <a:cs typeface="맑은 고딕"/>
+              </a:rPr>
+              <a:t>  </a:t>
+            </a:r>
+            <a:r>
+              <a:rPr lang="en-US" altLang="ko-KR" sz="1200" b="1" dirty="0"/>
+              <a:t>추출</a:t>
+            </a:r>
+            <a:r>
+              <a:rPr lang="en-US" altLang="ko-KR" sz="1200" b="1" dirty="0">
+                <a:cs typeface="맑은 고딕"/>
+              </a:rPr>
+              <a:t> </a:t>
+            </a:r>
+            <a:endParaRPr lang="en-US" altLang="ko-KR" sz="1200" b="1" dirty="0"/>
+          </a:p>
+          <a:p>
+            <a:pPr marL="182563" indent="-182563">
+              <a:buClr>
+                <a:srgbClr val="00CC00"/>
+              </a:buClr>
+              <a:buFont typeface="Wingdings"/>
+              <a:buChar char="n"/>
+              <a:defRPr lang="ko-KR" altLang="en-US"/>
+            </a:pPr>
+            <a:endParaRPr lang="en-US" altLang="ko-KR" sz="1200" b="1" dirty="0"/>
+          </a:p>
+          <a:p>
+            <a:pPr marL="182563" indent="-182563">
+              <a:buClr>
+                <a:srgbClr val="00CC00"/>
+              </a:buClr>
+              <a:buFont typeface="Wingdings"/>
+              <a:buChar char="n"/>
+              <a:defRPr lang="ko-KR" altLang="en-US"/>
+            </a:pPr>
+            <a:endParaRPr lang="en-US" altLang="ko-KR" sz="1200" b="1" dirty="0"/>
+          </a:p>
+          <a:p>
+            <a:pPr marL="182563" indent="-182563">
+              <a:buClr>
+                <a:srgbClr val="00CC00"/>
+              </a:buClr>
+              <a:buFont typeface="Wingdings"/>
+              <a:buChar char="n"/>
+              <a:defRPr lang="ko-KR" altLang="en-US"/>
+            </a:pPr>
+            <a:r>
+              <a:rPr lang="ko-KR" altLang="en-US" sz="1200" b="1" dirty="0"/>
+              <a:t>KNN,SVM,Nerual Network 알고리즘 </a:t>
+            </a:r>
+            <a:r>
+              <a:rPr lang="ko-KR" altLang="en-US" sz="1200" b="1" dirty="0" smtClean="0"/>
+              <a:t>조사 </a:t>
+            </a:r>
+            <a:r>
+              <a:rPr lang="ko-KR" altLang="en-US" sz="1200" b="1" dirty="0"/>
+              <a:t>결과 Nerual </a:t>
+            </a:r>
+            <a:r>
+              <a:rPr lang="ko-KR" altLang="en-US" sz="1200" b="1" dirty="0" smtClean="0"/>
+              <a:t>Network 알고리즘 </a:t>
+            </a:r>
+            <a:r>
+              <a:rPr lang="ko-KR" altLang="en-US" sz="1200" b="1" dirty="0"/>
+              <a:t>선택</a:t>
+            </a:r>
+          </a:p>
+          <a:p>
+            <a:pPr marL="182563" indent="-182563">
+              <a:buClr>
+                <a:srgbClr val="00CC00"/>
+              </a:buClr>
+              <a:buFont typeface="Wingdings"/>
+              <a:buChar char="n"/>
+              <a:defRPr lang="ko-KR" altLang="en-US"/>
+            </a:pPr>
+            <a:endParaRPr lang="ko-KR" altLang="en-US" sz="1200" b="1" dirty="0"/>
+          </a:p>
+          <a:p>
+            <a:pPr marL="182563" indent="-182563">
+              <a:buClr>
+                <a:srgbClr val="00CC00"/>
+              </a:buClr>
+              <a:buFont typeface="Wingdings"/>
+              <a:buChar char="n"/>
+              <a:defRPr lang="ko-KR" altLang="en-US"/>
+            </a:pPr>
+            <a:r>
+              <a:rPr lang="ko-KR" altLang="en-US" sz="1200" b="1" dirty="0" smtClean="0"/>
+              <a:t>CentOS </a:t>
+            </a:r>
+            <a:r>
+              <a:rPr lang="en-US" altLang="ko-KR" sz="1200" b="1" dirty="0" smtClean="0"/>
+              <a:t>5</a:t>
+            </a:r>
+            <a:r>
+              <a:rPr lang="ko-KR" altLang="en-US" sz="1200" b="1" dirty="0" smtClean="0"/>
+              <a:t>환경에서 </a:t>
+            </a:r>
+            <a:r>
+              <a:rPr lang="ko-KR" altLang="en-US" sz="1200" b="1" dirty="0"/>
+              <a:t>MySQL서버 구축 후 쿠쿠 샌드박스 환경과 </a:t>
+            </a:r>
+            <a:r>
+              <a:rPr lang="ko-KR" altLang="en-US" sz="1200" b="1" dirty="0" smtClean="0"/>
+              <a:t>연동을 </a:t>
+            </a:r>
+            <a:r>
+              <a:rPr lang="ko-KR" altLang="en-US" sz="1200" b="1" dirty="0"/>
+              <a:t>시도했지만 실패하여 원인 분석 시작</a:t>
+            </a:r>
+          </a:p>
+          <a:p>
+            <a:pPr marL="182563" indent="-182563">
+              <a:buClr>
+                <a:srgbClr val="00CC00"/>
+              </a:buClr>
+              <a:buFont typeface="Wingdings"/>
+              <a:buChar char="n"/>
+              <a:defRPr lang="ko-KR" altLang="en-US"/>
+            </a:pPr>
+            <a:endParaRPr lang="ko-KR" altLang="en-US" sz="1200" b="1" dirty="0"/>
+          </a:p>
+          <a:p>
+            <a:pPr marL="182563" indent="-182563">
+              <a:buClr>
+                <a:srgbClr val="00CC00"/>
+              </a:buClr>
+              <a:buFont typeface="Wingdings"/>
+              <a:buChar char="n"/>
+              <a:defRPr lang="ko-KR" altLang="en-US"/>
+            </a:pPr>
+            <a:r>
+              <a:rPr lang="ko-KR" altLang="en-US" sz="1200" b="1" dirty="0"/>
+              <a:t>Git Hurb를 사용하여 원격 저장소 구축 </a:t>
+            </a:r>
+            <a:r>
+              <a:rPr lang="en-US" altLang="ko-KR" sz="1200" b="1" dirty="0" smtClean="0"/>
+              <a:t>,</a:t>
+            </a:r>
+            <a:r>
+              <a:rPr lang="ko-KR" altLang="en-US" sz="1200" b="1" dirty="0" smtClean="0"/>
+              <a:t> </a:t>
+            </a:r>
+            <a:r>
+              <a:rPr lang="ko-KR" altLang="en-US" sz="1200" b="1" dirty="0"/>
+              <a:t>소스코드의 버전관리 시작 </a:t>
+            </a:r>
+            <a:endParaRPr lang="ko-KR" altLang="en-US" sz="1200" dirty="0"/>
+          </a:p>
+          <a:p>
+            <a:pPr marL="182563" indent="-182563">
+              <a:buClr>
+                <a:srgbClr val="00CC00"/>
+              </a:buClr>
+              <a:buFont typeface="Wingdings"/>
+              <a:buChar char="n"/>
+              <a:defRPr lang="ko-KR" altLang="en-US"/>
+            </a:pPr>
+            <a:endParaRPr lang="ko-KR" altLang="en-US" sz="1200" dirty="0"/>
+          </a:p>
+          <a:p>
+            <a:pPr marL="182563" indent="-182563">
+              <a:buClr>
+                <a:srgbClr val="00CC00"/>
+              </a:buClr>
+              <a:buFont typeface="Wingdings"/>
+              <a:buChar char="n"/>
+              <a:defRPr lang="ko-KR" altLang="en-US"/>
+            </a:pPr>
+            <a:endParaRPr lang="ko-KR" altLang="en-US" sz="1200" dirty="0"/>
+          </a:p>
+          <a:p>
+            <a:pPr marL="182563" indent="-182563">
+              <a:buClr>
+                <a:srgbClr val="00CC00"/>
+              </a:buClr>
+              <a:buFont typeface="Wingdings"/>
+              <a:buNone/>
+              <a:defRPr lang="ko-KR" altLang="en-US"/>
+            </a:pPr>
+            <a:endParaRPr lang="ko-KR" altLang="en-US" sz="1200" dirty="0"/>
+          </a:p>
+          <a:p>
+            <a:pPr marL="182563" indent="-182563">
+              <a:buClr>
+                <a:srgbClr val="00CC00"/>
+              </a:buClr>
+              <a:buFont typeface="Wingdings"/>
+              <a:buChar char="n"/>
+              <a:defRPr lang="ko-KR" altLang="en-US"/>
+            </a:pPr>
+            <a:endParaRPr lang="en-US" altLang="zh-CN" sz="1200" dirty="0">
+              <a:ea typeface="Verdana"/>
+              <a:cs typeface="Verdana"/>
+            </a:endParaRPr>
+          </a:p>
+          <a:p>
+            <a:pPr marL="182563" indent="-182563">
+              <a:buClr>
+                <a:srgbClr val="00CC00"/>
+              </a:buClr>
+              <a:buFont typeface="Wingdings"/>
+              <a:buChar char="n"/>
+              <a:defRPr lang="ko-KR" altLang="en-US"/>
+            </a:pPr>
+            <a:endParaRPr lang="en-US" altLang="zh-CN" sz="1200" dirty="0">
+              <a:ea typeface="Verdana"/>
+              <a:cs typeface="Verdana"/>
+            </a:endParaRPr>
+          </a:p>
+        </p:txBody>
+      </p:sp>
+      <p:sp>
+        <p:nvSpPr>
+          <p:cNvPr id="16" name="Text Box 3"/>
+          <p:cNvSpPr txBox="1">
+            <a:spLocks noChangeArrowheads="1"/>
+          </p:cNvSpPr>
+          <p:nvPr/>
+        </p:nvSpPr>
+        <p:spPr>
+          <a:xfrm>
+            <a:off x="5005303" y="1715040"/>
+            <a:ext cx="3635148" cy="4486268"/>
+          </a:xfrm>
+          <a:prstGeom prst="rect">
+            <a:avLst/>
+          </a:prstGeom>
+          <a:noFill/>
+          <a:ln w="9525" algn="ctr">
+            <a:noFill/>
+            <a:miter/>
+          </a:ln>
+          <a:effectLst/>
+        </p:spPr>
+        <p:txBody>
+          <a:bodyPr/>
+          <a:lstStyle/>
+          <a:p>
+            <a:pPr marL="182563" indent="-182563">
+              <a:buClr>
+                <a:srgbClr val="00CC00"/>
+              </a:buClr>
+              <a:buFont typeface="Wingdings"/>
+              <a:buChar char="n"/>
+              <a:defRPr lang="ko-KR" altLang="en-US"/>
+            </a:pPr>
+            <a:endParaRPr lang="en-US" altLang="ko-KR" sz="1200" b="1" dirty="0">
+              <a:latin typeface="맑은 고딕"/>
+              <a:ea typeface="맑은 고딕"/>
+              <a:cs typeface="맑은 고딕"/>
+            </a:endParaRPr>
+          </a:p>
+          <a:p>
+            <a:pPr marL="182563" indent="-182563">
+              <a:buClr>
+                <a:srgbClr val="00CC00"/>
+              </a:buClr>
+              <a:buFont typeface="Wingdings"/>
+              <a:buChar char="n"/>
+              <a:defRPr lang="ko-KR" altLang="en-US"/>
+            </a:pPr>
+            <a:r>
+              <a:rPr lang="ko-KR" altLang="en-US" sz="1200" b="1" dirty="0"/>
+              <a:t>새 버전의 .</a:t>
+            </a:r>
+            <a:r>
+              <a:rPr lang="en-US" altLang="ko-KR" sz="1200" b="1" dirty="0">
+                <a:cs typeface="맑은 고딕"/>
+              </a:rPr>
+              <a:t>Text</a:t>
+            </a:r>
+            <a:r>
+              <a:rPr lang="ko-KR" altLang="en-US" sz="1200" b="1" dirty="0"/>
+              <a:t>값 추출 소스코드 개발</a:t>
+            </a:r>
+          </a:p>
+          <a:p>
+            <a:pPr marL="182563" indent="-182563">
+              <a:buClr>
+                <a:srgbClr val="00CC00"/>
+              </a:buClr>
+              <a:buFont typeface="Wingdings"/>
+              <a:buChar char="n"/>
+              <a:defRPr lang="ko-KR" altLang="en-US"/>
+            </a:pPr>
+            <a:endParaRPr lang="ko-KR" altLang="en-US" sz="1200" b="1" dirty="0"/>
+          </a:p>
+          <a:p>
+            <a:pPr marL="182563" indent="-182563">
+              <a:buClr>
+                <a:srgbClr val="00CC00"/>
+              </a:buClr>
+              <a:buFont typeface="Wingdings"/>
+              <a:buChar char="n"/>
+              <a:defRPr lang="ko-KR" altLang="en-US"/>
+            </a:pPr>
+            <a:endParaRPr lang="ko-KR" altLang="en-US" sz="1200" b="1" dirty="0"/>
+          </a:p>
+          <a:p>
+            <a:pPr marL="182563" indent="-182563">
+              <a:buClr>
+                <a:srgbClr val="00CC00"/>
+              </a:buClr>
+              <a:buFont typeface="Wingdings"/>
+              <a:buChar char="n"/>
+              <a:defRPr lang="ko-KR" altLang="en-US"/>
+            </a:pPr>
+            <a:r>
+              <a:rPr lang="ko-KR" altLang="en-US" sz="1200" b="1" dirty="0"/>
+              <a:t>동적 분석 결과 데이터 간소화와 몽고</a:t>
+            </a:r>
+            <a:r>
+              <a:rPr lang="en-US" altLang="ko-KR" sz="1200" b="1" dirty="0">
+                <a:cs typeface="맑은 고딕"/>
+              </a:rPr>
+              <a:t>DB</a:t>
+            </a:r>
+            <a:r>
+              <a:rPr lang="ko-KR" altLang="en-US" sz="1200" b="1" dirty="0"/>
+              <a:t> 적재 방법 연구</a:t>
+            </a:r>
+          </a:p>
+          <a:p>
+            <a:pPr marL="182563" indent="-182563">
+              <a:buClr>
+                <a:srgbClr val="00CC00"/>
+              </a:buClr>
+              <a:buFont typeface="Wingdings"/>
+              <a:buChar char="n"/>
+              <a:defRPr lang="ko-KR" altLang="en-US"/>
+            </a:pPr>
+            <a:endParaRPr lang="ko-KR" altLang="en-US" sz="1200" b="1" dirty="0"/>
+          </a:p>
+          <a:p>
+            <a:pPr marL="182563" indent="-182563">
+              <a:buClr>
+                <a:srgbClr val="00CC00"/>
+              </a:buClr>
+              <a:buFont typeface="Wingdings"/>
+              <a:buChar char="n"/>
+              <a:defRPr lang="ko-KR" altLang="en-US"/>
+            </a:pPr>
+            <a:endParaRPr lang="ko-KR" altLang="en-US" sz="1200" b="1" dirty="0"/>
+          </a:p>
+          <a:p>
+            <a:pPr marL="182563" indent="-182563">
+              <a:buClr>
+                <a:srgbClr val="00CC00"/>
+              </a:buClr>
+              <a:buFont typeface="Wingdings"/>
+              <a:buChar char="n"/>
+              <a:defRPr lang="ko-KR" altLang="en-US"/>
+            </a:pPr>
+            <a:r>
+              <a:rPr lang="en-US" altLang="ko-KR" sz="1200" b="1" dirty="0">
+                <a:cs typeface="맑은 고딕"/>
+              </a:rPr>
+              <a:t>Neural Network</a:t>
+            </a:r>
+            <a:r>
+              <a:rPr lang="ko-KR" altLang="en-US" sz="1200" b="1" dirty="0"/>
+              <a:t> 알고리즘 샘플 제작 및 테스트</a:t>
+            </a:r>
+          </a:p>
+          <a:p>
+            <a:pPr marL="182563" indent="-182563">
+              <a:buClr>
+                <a:srgbClr val="00CC00"/>
+              </a:buClr>
+              <a:buFont typeface="Wingdings"/>
+              <a:buChar char="n"/>
+              <a:defRPr lang="ko-KR" altLang="en-US"/>
+            </a:pPr>
+            <a:endParaRPr lang="ko-KR" altLang="en-US" sz="1200" b="1" dirty="0"/>
+          </a:p>
+          <a:p>
+            <a:pPr marL="182563" indent="-182563">
+              <a:buClr>
+                <a:srgbClr val="00CC00"/>
+              </a:buClr>
+              <a:buFont typeface="Wingdings"/>
+              <a:buChar char="n"/>
+              <a:defRPr lang="ko-KR" altLang="en-US"/>
+            </a:pPr>
+            <a:endParaRPr lang="ko-KR" altLang="en-US" sz="1200" b="1" dirty="0"/>
+          </a:p>
+          <a:p>
+            <a:pPr marL="182563" indent="-182563">
+              <a:buClr>
+                <a:srgbClr val="00CC00"/>
+              </a:buClr>
+              <a:buFont typeface="Wingdings"/>
+              <a:buChar char="n"/>
+              <a:defRPr lang="ko-KR" altLang="en-US"/>
+            </a:pPr>
+            <a:r>
+              <a:rPr lang="en-US" altLang="ko-KR" sz="1200" b="1" dirty="0" err="1" smtClean="0">
+                <a:cs typeface="맑은 고딕"/>
+              </a:rPr>
+              <a:t>CentOS</a:t>
+            </a:r>
+            <a:r>
+              <a:rPr lang="ko-KR" altLang="en-US" sz="1200" b="1" dirty="0" smtClean="0">
+                <a:cs typeface="맑은 고딕"/>
+              </a:rPr>
+              <a:t> </a:t>
+            </a:r>
+            <a:r>
+              <a:rPr lang="en-US" altLang="ko-KR" sz="1200" b="1" dirty="0" smtClean="0">
+                <a:cs typeface="맑은 고딕"/>
+              </a:rPr>
+              <a:t>5</a:t>
+            </a:r>
+            <a:r>
+              <a:rPr lang="ko-KR" altLang="en-US" sz="1200" b="1" dirty="0" smtClean="0">
+                <a:cs typeface="맑은 고딕"/>
+              </a:rPr>
+              <a:t> </a:t>
+            </a:r>
+            <a:r>
+              <a:rPr lang="ko-KR" altLang="en-US" sz="1200" b="1" dirty="0">
+                <a:cs typeface="맑은 고딕"/>
+              </a:rPr>
+              <a:t>환경에서 </a:t>
+            </a:r>
+            <a:r>
+              <a:rPr lang="en-US" altLang="ko-KR" sz="1200" b="1" dirty="0">
+                <a:cs typeface="맑은 고딕"/>
+              </a:rPr>
+              <a:t>MYSQL</a:t>
+            </a:r>
+            <a:r>
+              <a:rPr lang="ko-KR" altLang="en-US" sz="1200" b="1" dirty="0">
+                <a:cs typeface="맑은 고딕"/>
+              </a:rPr>
+              <a:t> 서버와</a:t>
+            </a:r>
+            <a:r>
+              <a:rPr lang="ko-KR" altLang="en-US" sz="1200" b="1" dirty="0"/>
+              <a:t> 쿠쿠 샌드박스의 환경과 연동 구축</a:t>
+            </a:r>
+          </a:p>
+          <a:p>
+            <a:pPr marL="182563" indent="-182563">
+              <a:buClr>
+                <a:srgbClr val="00CC00"/>
+              </a:buClr>
+              <a:buFont typeface="Wingdings"/>
+              <a:buChar char="n"/>
+              <a:defRPr lang="ko-KR" altLang="en-US"/>
+            </a:pPr>
+            <a:endParaRPr lang="ko-KR" altLang="en-US" sz="1200" b="1" dirty="0"/>
+          </a:p>
+          <a:p>
+            <a:pPr marL="182563" indent="-182563">
+              <a:buClr>
+                <a:srgbClr val="00CC00"/>
+              </a:buClr>
+              <a:buFont typeface="Wingdings"/>
+              <a:buChar char="n"/>
+              <a:defRPr lang="ko-KR" altLang="en-US"/>
+            </a:pPr>
+            <a:endParaRPr lang="ko-KR" altLang="en-US" sz="1200" b="1" dirty="0"/>
+          </a:p>
+          <a:p>
+            <a:pPr marL="182563" indent="-182563">
+              <a:buClr>
+                <a:srgbClr val="00CC00"/>
+              </a:buClr>
+              <a:buFont typeface="Wingdings"/>
+              <a:buChar char="n"/>
+              <a:defRPr lang="ko-KR" altLang="en-US"/>
+            </a:pPr>
+            <a:endParaRPr lang="en-US" altLang="zh-CN" sz="1200" dirty="0">
+              <a:ea typeface="Verdana"/>
+              <a:cs typeface="Verdana"/>
+            </a:endParaRPr>
+          </a:p>
+          <a:p>
+            <a:pPr marL="182563" indent="-182563">
+              <a:buClr>
+                <a:srgbClr val="00CC00"/>
+              </a:buClr>
+              <a:buFont typeface="Wingdings"/>
+              <a:buChar char="n"/>
+              <a:defRPr lang="ko-KR" altLang="en-US"/>
+            </a:pPr>
+            <a:endParaRPr lang="en-US" altLang="zh-CN" sz="1200" dirty="0">
+              <a:ea typeface="Verdana"/>
+              <a:cs typeface="Verdana"/>
+            </a:endParaRPr>
+          </a:p>
+          <a:p>
+            <a:pPr marL="182563" indent="-182563">
+              <a:buClr>
+                <a:srgbClr val="00CC00"/>
+              </a:buClr>
+              <a:buFont typeface="Wingdings"/>
+              <a:buChar char="n"/>
+              <a:defRPr lang="ko-KR" altLang="en-US"/>
+            </a:pPr>
+            <a:endParaRPr lang="en-US" altLang="zh-CN" sz="1200" dirty="0">
+              <a:ea typeface="Verdana"/>
+              <a:cs typeface="Verdana"/>
+            </a:endParaRPr>
+          </a:p>
+        </p:txBody>
+      </p:sp>
+      <p:sp>
+        <p:nvSpPr>
+          <p:cNvPr id="37" name="Text Box 3"/>
+          <p:cNvSpPr txBox="1">
+            <a:spLocks noChangeArrowheads="1"/>
+          </p:cNvSpPr>
+          <p:nvPr/>
+        </p:nvSpPr>
+        <p:spPr>
+          <a:xfrm>
+            <a:off x="5041308" y="4509120"/>
+            <a:ext cx="3635148" cy="1497936"/>
+          </a:xfrm>
+          <a:prstGeom prst="rect">
+            <a:avLst/>
+          </a:prstGeom>
+          <a:noFill/>
+          <a:ln w="9525" algn="ctr">
+            <a:noFill/>
+            <a:miter/>
+          </a:ln>
+          <a:effectLst/>
+        </p:spPr>
+        <p:txBody>
+          <a:bodyPr/>
+          <a:lstStyle/>
+          <a:p>
+            <a:pPr marL="182563" indent="-182563">
+              <a:buClr>
+                <a:srgbClr val="00CC00"/>
+              </a:buClr>
+              <a:buFont typeface="Wingdings"/>
+              <a:buChar char="n"/>
+              <a:defRPr lang="ko-KR" altLang="en-US"/>
+            </a:pPr>
+            <a:endParaRPr lang="ko-KR" altLang="en-US" sz="1200">
+              <a:ea typeface="Verdana"/>
+              <a:cs typeface="Verdana"/>
+            </a:endParaRPr>
+          </a:p>
+          <a:p>
+            <a:pPr marL="182563" indent="-182563">
+              <a:buClr>
+                <a:srgbClr val="00CC00"/>
+              </a:buClr>
+              <a:buFont typeface="Wingdings"/>
+              <a:buChar char="n"/>
+              <a:defRPr lang="ko-KR" altLang="en-US"/>
+            </a:pPr>
+            <a:endParaRPr lang="en-US" altLang="zh-CN" sz="1200">
+              <a:ea typeface="Verdana"/>
+              <a:cs typeface="Verdana"/>
+            </a:endParaRPr>
+          </a:p>
+          <a:p>
+            <a:pPr marL="182563" indent="-182563">
+              <a:buClr>
+                <a:srgbClr val="00CC00"/>
+              </a:buClr>
+              <a:buFont typeface="Wingdings"/>
+              <a:buChar char="n"/>
+              <a:defRPr lang="ko-KR" altLang="en-US"/>
+            </a:pPr>
+            <a:endParaRPr lang="en-US" altLang="zh-CN" sz="1200">
+              <a:ea typeface="Verdana"/>
+              <a:cs typeface="Verdana"/>
+            </a:endParaRPr>
+          </a:p>
+          <a:p>
+            <a:pPr marL="182563" indent="-182563">
+              <a:buClr>
+                <a:srgbClr val="00CC00"/>
+              </a:buClr>
+              <a:buFont typeface="Wingdings"/>
+              <a:buChar char="n"/>
+              <a:defRPr lang="ko-KR" altLang="en-US"/>
+            </a:pPr>
+            <a:endParaRPr lang="en-US" altLang="zh-CN" sz="1200">
+              <a:ea typeface="Verdana"/>
+              <a:cs typeface="Verdana"/>
+            </a:endParaRPr>
+          </a:p>
+          <a:p>
+            <a:pPr marL="182563" indent="-182563">
+              <a:buClr>
+                <a:srgbClr val="00CC00"/>
+              </a:buClr>
+              <a:buFont typeface="Wingdings"/>
+              <a:buChar char="n"/>
+              <a:defRPr lang="ko-KR" altLang="en-US"/>
+            </a:pPr>
+            <a:endParaRPr lang="en-US" altLang="zh-CN" sz="1200">
+              <a:ea typeface="Verdana"/>
+              <a:cs typeface="Verdana"/>
+            </a:endParaRPr>
+          </a:p>
+        </p:txBody>
+      </p:sp>
+    </p:spTree>
+  </p:cSld>
+  <p:clrMapOvr>
+    <a:masterClrMapping/>
+  </p:clrMapOvr>
+  <p:transition/>
 </p:sld>
 </file>
 

--- a/0.요구사항정의/1.Template/경과보고서.pptx
+++ b/0.요구사항정의/1.Template/경과보고서.pptx
@@ -290,7 +290,7 @@
             <a:fld id="{02AC2A7C-A823-4D1D-BF0D-BC4EE17C23C0}" type="datetimeFigureOut">
               <a:rPr lang="ko-KR" altLang="en-US" smtClean="0"/>
               <a:pPr/>
-              <a:t>2016-07-08</a:t>
+              <a:t>2016-07-10</a:t>
             </a:fld>
             <a:endParaRPr lang="ko-KR" altLang="en-US"/>
           </a:p>
@@ -342,7 +342,7 @@
     </p:spTree>
     <p:extLst>
       <p:ext uri="{BB962C8B-B14F-4D97-AF65-F5344CB8AC3E}">
-        <p14:creationId xmlns:p14="http://schemas.microsoft.com/office/powerpoint/2010/main" xmlns="" val="3410724877"/>
+        <p14:creationId xmlns:p14="http://schemas.microsoft.com/office/powerpoint/2010/main" val="3410724877"/>
       </p:ext>
     </p:extLst>
   </p:cSld>
@@ -462,7 +462,7 @@
             <a:fld id="{02AC2A7C-A823-4D1D-BF0D-BC4EE17C23C0}" type="datetimeFigureOut">
               <a:rPr lang="ko-KR" altLang="en-US" smtClean="0"/>
               <a:pPr/>
-              <a:t>2016-07-08</a:t>
+              <a:t>2016-07-10</a:t>
             </a:fld>
             <a:endParaRPr lang="ko-KR" altLang="en-US"/>
           </a:p>
@@ -514,7 +514,7 @@
     </p:spTree>
     <p:extLst>
       <p:ext uri="{BB962C8B-B14F-4D97-AF65-F5344CB8AC3E}">
-        <p14:creationId xmlns:p14="http://schemas.microsoft.com/office/powerpoint/2010/main" xmlns="" val="3169669685"/>
+        <p14:creationId xmlns:p14="http://schemas.microsoft.com/office/powerpoint/2010/main" val="3169669685"/>
       </p:ext>
     </p:extLst>
   </p:cSld>
@@ -644,7 +644,7 @@
             <a:fld id="{02AC2A7C-A823-4D1D-BF0D-BC4EE17C23C0}" type="datetimeFigureOut">
               <a:rPr lang="ko-KR" altLang="en-US" smtClean="0"/>
               <a:pPr/>
-              <a:t>2016-07-08</a:t>
+              <a:t>2016-07-10</a:t>
             </a:fld>
             <a:endParaRPr lang="ko-KR" altLang="en-US"/>
           </a:p>
@@ -696,7 +696,7 @@
     </p:spTree>
     <p:extLst>
       <p:ext uri="{BB962C8B-B14F-4D97-AF65-F5344CB8AC3E}">
-        <p14:creationId xmlns:p14="http://schemas.microsoft.com/office/powerpoint/2010/main" xmlns="" val="400314594"/>
+        <p14:creationId xmlns:p14="http://schemas.microsoft.com/office/powerpoint/2010/main" val="400314594"/>
       </p:ext>
     </p:extLst>
   </p:cSld>
@@ -816,7 +816,7 @@
             <a:fld id="{02AC2A7C-A823-4D1D-BF0D-BC4EE17C23C0}" type="datetimeFigureOut">
               <a:rPr lang="ko-KR" altLang="en-US" smtClean="0"/>
               <a:pPr/>
-              <a:t>2016-07-08</a:t>
+              <a:t>2016-07-10</a:t>
             </a:fld>
             <a:endParaRPr lang="ko-KR" altLang="en-US"/>
           </a:p>
@@ -868,7 +868,7 @@
     </p:spTree>
     <p:extLst>
       <p:ext uri="{BB962C8B-B14F-4D97-AF65-F5344CB8AC3E}">
-        <p14:creationId xmlns:p14="http://schemas.microsoft.com/office/powerpoint/2010/main" xmlns="" val="1503042366"/>
+        <p14:creationId xmlns:p14="http://schemas.microsoft.com/office/powerpoint/2010/main" val="1503042366"/>
       </p:ext>
     </p:extLst>
   </p:cSld>
@@ -1064,7 +1064,7 @@
             <a:fld id="{02AC2A7C-A823-4D1D-BF0D-BC4EE17C23C0}" type="datetimeFigureOut">
               <a:rPr lang="ko-KR" altLang="en-US" smtClean="0"/>
               <a:pPr/>
-              <a:t>2016-07-08</a:t>
+              <a:t>2016-07-10</a:t>
             </a:fld>
             <a:endParaRPr lang="ko-KR" altLang="en-US"/>
           </a:p>
@@ -1116,7 +1116,7 @@
     </p:spTree>
     <p:extLst>
       <p:ext uri="{BB962C8B-B14F-4D97-AF65-F5344CB8AC3E}">
-        <p14:creationId xmlns:p14="http://schemas.microsoft.com/office/powerpoint/2010/main" xmlns="" val="136544160"/>
+        <p14:creationId xmlns:p14="http://schemas.microsoft.com/office/powerpoint/2010/main" val="136544160"/>
       </p:ext>
     </p:extLst>
   </p:cSld>
@@ -1354,7 +1354,7 @@
             <a:fld id="{02AC2A7C-A823-4D1D-BF0D-BC4EE17C23C0}" type="datetimeFigureOut">
               <a:rPr lang="ko-KR" altLang="en-US" smtClean="0"/>
               <a:pPr/>
-              <a:t>2016-07-08</a:t>
+              <a:t>2016-07-10</a:t>
             </a:fld>
             <a:endParaRPr lang="ko-KR" altLang="en-US"/>
           </a:p>
@@ -1406,7 +1406,7 @@
     </p:spTree>
     <p:extLst>
       <p:ext uri="{BB962C8B-B14F-4D97-AF65-F5344CB8AC3E}">
-        <p14:creationId xmlns:p14="http://schemas.microsoft.com/office/powerpoint/2010/main" xmlns="" val="410452106"/>
+        <p14:creationId xmlns:p14="http://schemas.microsoft.com/office/powerpoint/2010/main" val="410452106"/>
       </p:ext>
     </p:extLst>
   </p:cSld>
@@ -1778,7 +1778,7 @@
             <a:fld id="{02AC2A7C-A823-4D1D-BF0D-BC4EE17C23C0}" type="datetimeFigureOut">
               <a:rPr lang="ko-KR" altLang="en-US" smtClean="0"/>
               <a:pPr/>
-              <a:t>2016-07-08</a:t>
+              <a:t>2016-07-10</a:t>
             </a:fld>
             <a:endParaRPr lang="ko-KR" altLang="en-US"/>
           </a:p>
@@ -1830,7 +1830,7 @@
     </p:spTree>
     <p:extLst>
       <p:ext uri="{BB962C8B-B14F-4D97-AF65-F5344CB8AC3E}">
-        <p14:creationId xmlns:p14="http://schemas.microsoft.com/office/powerpoint/2010/main" xmlns="" val="2026264885"/>
+        <p14:creationId xmlns:p14="http://schemas.microsoft.com/office/powerpoint/2010/main" val="2026264885"/>
       </p:ext>
     </p:extLst>
   </p:cSld>
@@ -1898,7 +1898,7 @@
             <a:fld id="{02AC2A7C-A823-4D1D-BF0D-BC4EE17C23C0}" type="datetimeFigureOut">
               <a:rPr lang="ko-KR" altLang="en-US" smtClean="0"/>
               <a:pPr/>
-              <a:t>2016-07-08</a:t>
+              <a:t>2016-07-10</a:t>
             </a:fld>
             <a:endParaRPr lang="ko-KR" altLang="en-US"/>
           </a:p>
@@ -1950,7 +1950,7 @@
     </p:spTree>
     <p:extLst>
       <p:ext uri="{BB962C8B-B14F-4D97-AF65-F5344CB8AC3E}">
-        <p14:creationId xmlns:p14="http://schemas.microsoft.com/office/powerpoint/2010/main" xmlns="" val="3021326990"/>
+        <p14:creationId xmlns:p14="http://schemas.microsoft.com/office/powerpoint/2010/main" val="3021326990"/>
       </p:ext>
     </p:extLst>
   </p:cSld>
@@ -1995,7 +1995,7 @@
             <a:fld id="{02AC2A7C-A823-4D1D-BF0D-BC4EE17C23C0}" type="datetimeFigureOut">
               <a:rPr lang="ko-KR" altLang="en-US" smtClean="0"/>
               <a:pPr/>
-              <a:t>2016-07-08</a:t>
+              <a:t>2016-07-10</a:t>
             </a:fld>
             <a:endParaRPr lang="ko-KR" altLang="en-US"/>
           </a:p>
@@ -2047,7 +2047,7 @@
     </p:spTree>
     <p:extLst>
       <p:ext uri="{BB962C8B-B14F-4D97-AF65-F5344CB8AC3E}">
-        <p14:creationId xmlns:p14="http://schemas.microsoft.com/office/powerpoint/2010/main" xmlns="" val="3863736347"/>
+        <p14:creationId xmlns:p14="http://schemas.microsoft.com/office/powerpoint/2010/main" val="3863736347"/>
       </p:ext>
     </p:extLst>
   </p:cSld>
@@ -2274,7 +2274,7 @@
             <a:fld id="{02AC2A7C-A823-4D1D-BF0D-BC4EE17C23C0}" type="datetimeFigureOut">
               <a:rPr lang="ko-KR" altLang="en-US" smtClean="0"/>
               <a:pPr/>
-              <a:t>2016-07-08</a:t>
+              <a:t>2016-07-10</a:t>
             </a:fld>
             <a:endParaRPr lang="ko-KR" altLang="en-US"/>
           </a:p>
@@ -2326,7 +2326,7 @@
     </p:spTree>
     <p:extLst>
       <p:ext uri="{BB962C8B-B14F-4D97-AF65-F5344CB8AC3E}">
-        <p14:creationId xmlns:p14="http://schemas.microsoft.com/office/powerpoint/2010/main" xmlns="" val="477173038"/>
+        <p14:creationId xmlns:p14="http://schemas.microsoft.com/office/powerpoint/2010/main" val="477173038"/>
       </p:ext>
     </p:extLst>
   </p:cSld>
@@ -2529,7 +2529,7 @@
             <a:fld id="{02AC2A7C-A823-4D1D-BF0D-BC4EE17C23C0}" type="datetimeFigureOut">
               <a:rPr lang="ko-KR" altLang="en-US" smtClean="0"/>
               <a:pPr/>
-              <a:t>2016-07-08</a:t>
+              <a:t>2016-07-10</a:t>
             </a:fld>
             <a:endParaRPr lang="ko-KR" altLang="en-US"/>
           </a:p>
@@ -2581,7 +2581,7 @@
     </p:spTree>
     <p:extLst>
       <p:ext uri="{BB962C8B-B14F-4D97-AF65-F5344CB8AC3E}">
-        <p14:creationId xmlns:p14="http://schemas.microsoft.com/office/powerpoint/2010/main" xmlns="" val="1056246876"/>
+        <p14:creationId xmlns:p14="http://schemas.microsoft.com/office/powerpoint/2010/main" val="1056246876"/>
       </p:ext>
     </p:extLst>
   </p:cSld>
@@ -2744,7 +2744,7 @@
             <a:fld id="{02AC2A7C-A823-4D1D-BF0D-BC4EE17C23C0}" type="datetimeFigureOut">
               <a:rPr lang="ko-KR" altLang="en-US" smtClean="0"/>
               <a:pPr/>
-              <a:t>2016-07-08</a:t>
+              <a:t>2016-07-10</a:t>
             </a:fld>
             <a:endParaRPr lang="ko-KR" altLang="en-US"/>
           </a:p>
@@ -2832,7 +2832,7 @@
     </p:spTree>
     <p:extLst>
       <p:ext uri="{BB962C8B-B14F-4D97-AF65-F5344CB8AC3E}">
-        <p14:creationId xmlns:p14="http://schemas.microsoft.com/office/powerpoint/2010/main" xmlns="" val="298597663"/>
+        <p14:creationId xmlns:p14="http://schemas.microsoft.com/office/powerpoint/2010/main" val="298597663"/>
       </p:ext>
     </p:extLst>
   </p:cSld>
@@ -3202,7 +3202,7 @@
                   <a:schemeClr val="tx1"/>
                 </a:solidFill>
               </a:rPr>
-              <a:t>XX</a:t>
+              <a:t>11</a:t>
             </a:r>
             <a:r>
               <a:rPr lang="ko-KR" altLang="en-US" sz="2800" b="1" dirty="0" smtClean="0">
@@ -3210,7 +3210,15 @@
                   <a:schemeClr val="tx1"/>
                 </a:solidFill>
               </a:rPr>
-              <a:t>일 경과 보고</a:t>
+              <a:t>일 </a:t>
+            </a:r>
+            <a:r>
+              <a:rPr lang="ko-KR" altLang="en-US" sz="2800" b="1" dirty="0" smtClean="0">
+                <a:solidFill>
+                  <a:schemeClr val="tx1"/>
+                </a:solidFill>
+              </a:rPr>
+              <a:t>경과 보고</a:t>
             </a:r>
             <a:endParaRPr lang="ko-KR" altLang="en-US" sz="2800" b="1" dirty="0">
               <a:solidFill>
@@ -3522,8 +3530,62 @@
                 <a:uFillTx/>
                 <a:ea typeface="宋体" pitchFamily="2" charset="-122"/>
               </a:rPr>
-              <a:t>Planning Deliverables</a:t>
-            </a:r>
+              <a:t>Planning </a:t>
+            </a:r>
+            <a:r>
+              <a:rPr kumimoji="0" lang="en-US" altLang="zh-CN" sz="1200" b="1" i="0" u="none" strike="noStrike" kern="0" cap="none" spc="0" normalizeH="0" baseline="0" noProof="0" dirty="0" smtClean="0">
+                <a:ln>
+                  <a:noFill/>
+                </a:ln>
+                <a:solidFill>
+                  <a:srgbClr val="CC0000"/>
+                </a:solidFill>
+                <a:effectLst>
+                  <a:outerShdw blurRad="38100" dist="38100" dir="2700000" algn="tl">
+                    <a:srgbClr val="C0C0C0"/>
+                  </a:outerShdw>
+                </a:effectLst>
+                <a:uLnTx/>
+                <a:uFillTx/>
+                <a:ea typeface="宋体" pitchFamily="2" charset="-122"/>
+              </a:rPr>
+              <a:t>Deliverables</a:t>
+            </a:r>
+          </a:p>
+          <a:p>
+            <a:pPr marL="101600" marR="0" lvl="0" indent="-101600" defTabSz="914400" eaLnBrk="0" fontAlgn="auto" latinLnBrk="0" hangingPunct="1">
+              <a:lnSpc>
+                <a:spcPct val="100000"/>
+              </a:lnSpc>
+              <a:spcBef>
+                <a:spcPct val="0"/>
+              </a:spcBef>
+              <a:spcAft>
+                <a:spcPts val="0"/>
+              </a:spcAft>
+              <a:buClrTx/>
+              <a:buSzTx/>
+              <a:buFontTx/>
+              <a:buNone/>
+              <a:tabLst/>
+              <a:defRPr/>
+            </a:pPr>
+            <a:endParaRPr kumimoji="0" lang="en-US" altLang="zh-CN" sz="1200" b="1" i="0" u="none" strike="noStrike" kern="0" cap="none" spc="0" normalizeH="0" baseline="0" noProof="0" dirty="0" smtClean="0">
+              <a:ln>
+                <a:noFill/>
+              </a:ln>
+              <a:solidFill>
+                <a:srgbClr val="CC0000"/>
+              </a:solidFill>
+              <a:effectLst>
+                <a:outerShdw blurRad="38100" dist="38100" dir="2700000" algn="tl">
+                  <a:srgbClr val="C0C0C0"/>
+                </a:outerShdw>
+              </a:effectLst>
+              <a:uLnTx/>
+              <a:uFillTx/>
+              <a:ea typeface="宋体" pitchFamily="2" charset="-122"/>
+            </a:endParaRPr>
           </a:p>
           <a:p>
             <a:pPr marL="101600" marR="0" lvl="0" indent="-101600" defTabSz="914400" eaLnBrk="0" fontAlgn="auto" latinLnBrk="0" hangingPunct="1">
@@ -3931,8 +3993,8 @@
         </p:nvSpPr>
         <p:spPr bwMode="auto">
           <a:xfrm>
-            <a:off x="936852" y="1628800"/>
-            <a:ext cx="3635148" cy="3082112"/>
+            <a:off x="971600" y="1772816"/>
+            <a:ext cx="3456384" cy="2880320"/>
           </a:xfrm>
           <a:prstGeom prst="rect">
             <a:avLst/>
@@ -3958,19 +4020,114 @@
               <a:buChar char="n"/>
             </a:pPr>
             <a:r>
-              <a:rPr lang="en-US" altLang="zh-CN" sz="1200" dirty="0" smtClean="0">
+              <a:rPr lang="en-US" altLang="zh-CN" sz="1400" dirty="0" smtClean="0">
                 <a:ea typeface="Verdana" pitchFamily="34" charset="0"/>
                 <a:cs typeface="Verdana" pitchFamily="34" charset="0"/>
               </a:rPr>
-              <a:t>TASK </a:t>
-            </a:r>
-            <a:r>
-              <a:rPr lang="ko-KR" altLang="en-US" sz="1200" dirty="0" smtClean="0">
+              <a:t>.text extraction verify</a:t>
+            </a:r>
+          </a:p>
+          <a:p>
+            <a:pPr marL="182563" indent="-182563">
+              <a:buClr>
+                <a:srgbClr val="00CC00"/>
+              </a:buClr>
+              <a:buFont typeface="Wingdings" pitchFamily="2" charset="2"/>
+              <a:buChar char="n"/>
+            </a:pPr>
+            <a:r>
+              <a:rPr lang="ko-KR" altLang="en-US" sz="1400" dirty="0" smtClean="0">
                 <a:ea typeface="Verdana" pitchFamily="34" charset="0"/>
                 <a:cs typeface="Verdana" pitchFamily="34" charset="0"/>
               </a:rPr>
-              <a:t>기록</a:t>
-            </a:r>
+              <a:t>동적 분석 데이터 트리 탐색</a:t>
+            </a:r>
+            <a:endParaRPr lang="en-US" altLang="ko-KR" sz="1400" dirty="0" smtClean="0">
+              <a:ea typeface="Verdana" pitchFamily="34" charset="0"/>
+              <a:cs typeface="Verdana" pitchFamily="34" charset="0"/>
+            </a:endParaRPr>
+          </a:p>
+          <a:p>
+            <a:pPr marL="182563" indent="-182563">
+              <a:buClr>
+                <a:srgbClr val="00CC00"/>
+              </a:buClr>
+              <a:buFont typeface="Wingdings" pitchFamily="2" charset="2"/>
+              <a:buChar char="n"/>
+            </a:pPr>
+            <a:r>
+              <a:rPr lang="en-US" altLang="ko-KR" sz="1400" dirty="0">
+                <a:ea typeface="Verdana" pitchFamily="34" charset="0"/>
+                <a:cs typeface="Verdana" pitchFamily="34" charset="0"/>
+              </a:rPr>
+              <a:t>Neural Network </a:t>
+            </a:r>
+            <a:r>
+              <a:rPr lang="ko-KR" altLang="en-US" sz="1400" dirty="0">
+                <a:ea typeface="Verdana" pitchFamily="34" charset="0"/>
+                <a:cs typeface="Verdana" pitchFamily="34" charset="0"/>
+              </a:rPr>
+              <a:t>알고리즘의 </a:t>
+            </a:r>
+            <a:r>
+              <a:rPr lang="ko-KR" altLang="en-US" sz="1400" dirty="0" err="1" smtClean="0">
+                <a:ea typeface="Verdana" pitchFamily="34" charset="0"/>
+                <a:cs typeface="Verdana" pitchFamily="34" charset="0"/>
+              </a:rPr>
+              <a:t>매트랩</a:t>
+            </a:r>
+            <a:endParaRPr lang="en-US" altLang="ko-KR" sz="1400" dirty="0" smtClean="0">
+              <a:ea typeface="Verdana" pitchFamily="34" charset="0"/>
+              <a:cs typeface="Verdana" pitchFamily="34" charset="0"/>
+            </a:endParaRPr>
+          </a:p>
+          <a:p>
+            <a:pPr>
+              <a:buClr>
+                <a:srgbClr val="00CC00"/>
+              </a:buClr>
+            </a:pPr>
+            <a:r>
+              <a:rPr lang="en-US" altLang="ko-KR" sz="1400" dirty="0">
+                <a:ea typeface="Verdana" pitchFamily="34" charset="0"/>
+                <a:cs typeface="Verdana" pitchFamily="34" charset="0"/>
+              </a:rPr>
+              <a:t> </a:t>
+            </a:r>
+            <a:r>
+              <a:rPr lang="en-US" altLang="ko-KR" sz="1400" dirty="0" smtClean="0">
+                <a:ea typeface="Verdana" pitchFamily="34" charset="0"/>
+                <a:cs typeface="Verdana" pitchFamily="34" charset="0"/>
+              </a:rPr>
+              <a:t> </a:t>
+            </a:r>
+            <a:r>
+              <a:rPr lang="ko-KR" altLang="en-US" sz="1400" dirty="0" smtClean="0">
+                <a:ea typeface="Verdana" pitchFamily="34" charset="0"/>
+                <a:cs typeface="Verdana" pitchFamily="34" charset="0"/>
+              </a:rPr>
+              <a:t> </a:t>
+            </a:r>
+            <a:r>
+              <a:rPr lang="ko-KR" altLang="en-US" sz="1400" dirty="0">
+                <a:ea typeface="Verdana" pitchFamily="34" charset="0"/>
+                <a:cs typeface="Verdana" pitchFamily="34" charset="0"/>
+              </a:rPr>
+              <a:t>코드 실행 테스트</a:t>
+            </a:r>
+            <a:endParaRPr lang="en-US" altLang="zh-CN" sz="1400" dirty="0" smtClean="0">
+              <a:ea typeface="Verdana" pitchFamily="34" charset="0"/>
+              <a:cs typeface="Verdana" pitchFamily="34" charset="0"/>
+            </a:endParaRPr>
+          </a:p>
+          <a:p>
+            <a:pPr marL="182563" indent="-182563">
+              <a:buClr>
+                <a:srgbClr val="00CC00"/>
+              </a:buClr>
+              <a:buFont typeface="Wingdings" pitchFamily="2" charset="2"/>
+              <a:buChar char="n"/>
+            </a:pPr>
             <a:endParaRPr lang="en-US" altLang="zh-CN" sz="1200" dirty="0" smtClean="0">
               <a:ea typeface="Verdana" pitchFamily="34" charset="0"/>
               <a:cs typeface="Verdana" pitchFamily="34" charset="0"/>
@@ -4010,19 +4167,6 @@
               <a:buFont typeface="Wingdings" pitchFamily="2" charset="2"/>
               <a:buChar char="n"/>
             </a:pPr>
-            <a:endParaRPr lang="en-US" altLang="zh-CN" sz="1200" dirty="0" smtClean="0">
-              <a:ea typeface="Verdana" pitchFamily="34" charset="0"/>
-              <a:cs typeface="Verdana" pitchFamily="34" charset="0"/>
-            </a:endParaRPr>
-          </a:p>
-          <a:p>
-            <a:pPr marL="182563" indent="-182563">
-              <a:buClr>
-                <a:srgbClr val="00CC00"/>
-              </a:buClr>
-              <a:buFont typeface="Wingdings" pitchFamily="2" charset="2"/>
-              <a:buChar char="n"/>
-            </a:pPr>
             <a:endParaRPr lang="en-US" altLang="zh-CN" sz="1200" dirty="0">
               <a:ea typeface="Verdana" pitchFamily="34" charset="0"/>
               <a:cs typeface="Verdana" pitchFamily="34" charset="0"/>
@@ -4040,8 +4184,8 @@
         </p:nvSpPr>
         <p:spPr bwMode="auto">
           <a:xfrm>
-            <a:off x="5113316" y="1628800"/>
-            <a:ext cx="3635148" cy="3082112"/>
+            <a:off x="5076056" y="1772816"/>
+            <a:ext cx="3635148" cy="2808312"/>
           </a:xfrm>
           <a:prstGeom prst="rect">
             <a:avLst/>
@@ -4067,19 +4211,212 @@
               <a:buChar char="n"/>
             </a:pPr>
             <a:r>
-              <a:rPr lang="en-US" altLang="zh-CN" sz="1200" dirty="0" smtClean="0">
+              <a:rPr lang="en-US" altLang="zh-CN" sz="1400" dirty="0" smtClean="0">
                 <a:ea typeface="Verdana" pitchFamily="34" charset="0"/>
                 <a:cs typeface="Verdana" pitchFamily="34" charset="0"/>
               </a:rPr>
-              <a:t>TASK </a:t>
-            </a:r>
-            <a:r>
-              <a:rPr lang="ko-KR" altLang="en-US" sz="1200" dirty="0" smtClean="0">
+              <a:t>.text extracting from sample malwares</a:t>
+            </a:r>
+          </a:p>
+          <a:p>
+            <a:pPr marL="182563" indent="-182563">
+              <a:buClr>
+                <a:srgbClr val="00CC00"/>
+              </a:buClr>
+              <a:buFont typeface="Wingdings" pitchFamily="2" charset="2"/>
+              <a:buChar char="n"/>
+            </a:pPr>
+            <a:r>
+              <a:rPr lang="en-US" altLang="ko-KR" sz="1400" dirty="0" smtClean="0">
                 <a:ea typeface="Verdana" pitchFamily="34" charset="0"/>
                 <a:cs typeface="Verdana" pitchFamily="34" charset="0"/>
               </a:rPr>
-              <a:t>기록</a:t>
-            </a:r>
+              <a:t>Data classification </a:t>
+            </a:r>
+          </a:p>
+          <a:p>
+            <a:pPr marL="182563" indent="-182563">
+              <a:buClr>
+                <a:srgbClr val="00CC00"/>
+              </a:buClr>
+              <a:buFont typeface="Wingdings" pitchFamily="2" charset="2"/>
+              <a:buChar char="n"/>
+            </a:pPr>
+            <a:r>
+              <a:rPr lang="en-US" altLang="ko-KR" sz="1400" dirty="0">
+                <a:ea typeface="Verdana" pitchFamily="34" charset="0"/>
+                <a:cs typeface="Verdana" pitchFamily="34" charset="0"/>
+              </a:rPr>
+              <a:t>Neural Network </a:t>
+            </a:r>
+            <a:r>
+              <a:rPr lang="en-US" altLang="ko-KR" sz="1400" dirty="0" smtClean="0">
+                <a:ea typeface="Verdana" pitchFamily="34" charset="0"/>
+                <a:cs typeface="Verdana" pitchFamily="34" charset="0"/>
+              </a:rPr>
+              <a:t>algorism python coding</a:t>
+            </a:r>
+            <a:endParaRPr lang="en-US" altLang="ko-KR" sz="1400" dirty="0" smtClean="0">
+              <a:ea typeface="Verdana" pitchFamily="34" charset="0"/>
+              <a:cs typeface="Verdana" pitchFamily="34" charset="0"/>
+            </a:endParaRPr>
+          </a:p>
+          <a:p>
+            <a:pPr marL="182563" indent="-182563">
+              <a:buClr>
+                <a:srgbClr val="00CC00"/>
+              </a:buClr>
+              <a:buFont typeface="Wingdings" pitchFamily="2" charset="2"/>
+              <a:buChar char="n"/>
+            </a:pPr>
+            <a:endParaRPr lang="en-US" altLang="zh-CN" sz="1400" dirty="0" smtClean="0">
+              <a:ea typeface="Verdana" pitchFamily="34" charset="0"/>
+              <a:cs typeface="Verdana" pitchFamily="34" charset="0"/>
+            </a:endParaRPr>
+          </a:p>
+          <a:p>
+            <a:pPr marL="182563" indent="-182563">
+              <a:buClr>
+                <a:srgbClr val="00CC00"/>
+              </a:buClr>
+              <a:buFont typeface="Wingdings" pitchFamily="2" charset="2"/>
+              <a:buChar char="n"/>
+            </a:pPr>
+            <a:endParaRPr lang="en-US" altLang="zh-CN" sz="1400" dirty="0" smtClean="0">
+              <a:ea typeface="Verdana" pitchFamily="34" charset="0"/>
+              <a:cs typeface="Verdana" pitchFamily="34" charset="0"/>
+            </a:endParaRPr>
+          </a:p>
+          <a:p>
+            <a:pPr marL="182563" indent="-182563">
+              <a:buClr>
+                <a:srgbClr val="00CC00"/>
+              </a:buClr>
+              <a:buFont typeface="Wingdings" pitchFamily="2" charset="2"/>
+              <a:buChar char="n"/>
+            </a:pPr>
+            <a:endParaRPr lang="en-US" altLang="zh-CN" sz="1400" dirty="0" smtClean="0">
+              <a:ea typeface="Verdana" pitchFamily="34" charset="0"/>
+              <a:cs typeface="Verdana" pitchFamily="34" charset="0"/>
+            </a:endParaRPr>
+          </a:p>
+          <a:p>
+            <a:pPr marL="182563" indent="-182563">
+              <a:buClr>
+                <a:srgbClr val="00CC00"/>
+              </a:buClr>
+              <a:buFont typeface="Wingdings" pitchFamily="2" charset="2"/>
+              <a:buChar char="n"/>
+            </a:pPr>
+            <a:endParaRPr lang="en-US" altLang="zh-CN" sz="1400" dirty="0" smtClean="0">
+              <a:ea typeface="Verdana" pitchFamily="34" charset="0"/>
+              <a:cs typeface="Verdana" pitchFamily="34" charset="0"/>
+            </a:endParaRPr>
+          </a:p>
+          <a:p>
+            <a:pPr marL="182563" indent="-182563">
+              <a:buClr>
+                <a:srgbClr val="00CC00"/>
+              </a:buClr>
+              <a:buFont typeface="Wingdings" pitchFamily="2" charset="2"/>
+              <a:buChar char="n"/>
+            </a:pPr>
+            <a:endParaRPr lang="en-US" altLang="zh-CN" sz="1400" dirty="0">
+              <a:ea typeface="Verdana" pitchFamily="34" charset="0"/>
+              <a:cs typeface="Verdana" pitchFamily="34" charset="0"/>
+            </a:endParaRPr>
+          </a:p>
+        </p:txBody>
+      </p:sp>
+      <p:sp>
+        <p:nvSpPr>
+          <p:cNvPr id="17" name="Text Box 3"/>
+          <p:cNvSpPr txBox="1">
+            <a:spLocks noChangeArrowheads="1"/>
+          </p:cNvSpPr>
+          <p:nvPr/>
+        </p:nvSpPr>
+        <p:spPr bwMode="auto">
+          <a:xfrm>
+            <a:off x="504804" y="5250760"/>
+            <a:ext cx="3635148" cy="770528"/>
+          </a:xfrm>
+          <a:prstGeom prst="rect">
+            <a:avLst/>
+          </a:prstGeom>
+          <a:noFill/>
+          <a:ln w="9525" algn="ctr">
+            <a:noFill/>
+            <a:miter lim="800000"/>
+            <a:headEnd/>
+            <a:tailEnd/>
+          </a:ln>
+          <a:effectLst/>
+        </p:spPr>
+        <p:txBody>
+          <a:bodyPr/>
+          <a:lstStyle/>
+          <a:p>
+            <a:pPr marL="182563" indent="-182563">
+              <a:buClr>
+                <a:srgbClr val="00CC00"/>
+              </a:buClr>
+              <a:buFont typeface="Wingdings" pitchFamily="2" charset="2"/>
+              <a:buChar char="n"/>
+            </a:pPr>
+            <a:r>
+              <a:rPr lang="en-US" altLang="ko-KR" sz="1400" dirty="0" smtClean="0">
+                <a:ea typeface="Verdana" pitchFamily="34" charset="0"/>
+                <a:cs typeface="Verdana" pitchFamily="34" charset="0"/>
+              </a:rPr>
+              <a:t>.text extraction code</a:t>
+            </a:r>
+          </a:p>
+          <a:p>
+            <a:pPr marL="182563" indent="-182563">
+              <a:buClr>
+                <a:srgbClr val="00CC00"/>
+              </a:buClr>
+              <a:buFont typeface="Wingdings" pitchFamily="2" charset="2"/>
+              <a:buChar char="n"/>
+            </a:pPr>
+            <a:r>
+              <a:rPr lang="en-US" altLang="ko-KR" sz="1400" dirty="0" smtClean="0">
+                <a:ea typeface="Verdana" pitchFamily="34" charset="0"/>
+                <a:cs typeface="Verdana" pitchFamily="34" charset="0"/>
+              </a:rPr>
+              <a:t>Malware</a:t>
+            </a:r>
+            <a:r>
+              <a:rPr lang="ko-KR" altLang="en-US" sz="1400" dirty="0" smtClean="0">
+                <a:ea typeface="Verdana" pitchFamily="34" charset="0"/>
+                <a:cs typeface="Verdana" pitchFamily="34" charset="0"/>
+              </a:rPr>
+              <a:t> </a:t>
+            </a:r>
+            <a:r>
+              <a:rPr lang="en-US" altLang="ko-KR" sz="1400" dirty="0">
+                <a:ea typeface="Verdana" pitchFamily="34" charset="0"/>
+                <a:cs typeface="Verdana" pitchFamily="34" charset="0"/>
+              </a:rPr>
+              <a:t>t</a:t>
+            </a:r>
+            <a:r>
+              <a:rPr lang="en-US" altLang="ko-KR" sz="1400" dirty="0" smtClean="0">
+                <a:ea typeface="Verdana" pitchFamily="34" charset="0"/>
+                <a:cs typeface="Verdana" pitchFamily="34" charset="0"/>
+              </a:rPr>
+              <a:t>ree</a:t>
+            </a:r>
+          </a:p>
+          <a:p>
+            <a:pPr marL="182563" indent="-182563">
+              <a:buClr>
+                <a:srgbClr val="00CC00"/>
+              </a:buClr>
+              <a:buFont typeface="Wingdings" pitchFamily="2" charset="2"/>
+              <a:buChar char="n"/>
+            </a:pPr>
             <a:endParaRPr lang="en-US" altLang="zh-CN" sz="1200" dirty="0" smtClean="0">
               <a:ea typeface="Verdana" pitchFamily="34" charset="0"/>
               <a:cs typeface="Verdana" pitchFamily="34" charset="0"/>
@@ -4106,6 +4443,81 @@
               <a:buFont typeface="Wingdings" pitchFamily="2" charset="2"/>
               <a:buChar char="n"/>
             </a:pPr>
+            <a:endParaRPr lang="en-US" altLang="zh-CN" sz="1400" dirty="0" smtClean="0">
+              <a:ea typeface="Verdana" pitchFamily="34" charset="0"/>
+              <a:cs typeface="Verdana" pitchFamily="34" charset="0"/>
+            </a:endParaRPr>
+          </a:p>
+        </p:txBody>
+      </p:sp>
+      <p:sp>
+        <p:nvSpPr>
+          <p:cNvPr id="18" name="Text Box 3"/>
+          <p:cNvSpPr txBox="1">
+            <a:spLocks noChangeArrowheads="1"/>
+          </p:cNvSpPr>
+          <p:nvPr/>
+        </p:nvSpPr>
+        <p:spPr bwMode="auto">
+          <a:xfrm>
+            <a:off x="5113316" y="5250760"/>
+            <a:ext cx="3635148" cy="770528"/>
+          </a:xfrm>
+          <a:prstGeom prst="rect">
+            <a:avLst/>
+          </a:prstGeom>
+          <a:noFill/>
+          <a:ln w="9525" algn="ctr">
+            <a:noFill/>
+            <a:miter lim="800000"/>
+            <a:headEnd/>
+            <a:tailEnd/>
+          </a:ln>
+          <a:effectLst/>
+        </p:spPr>
+        <p:txBody>
+          <a:bodyPr/>
+          <a:lstStyle/>
+          <a:p>
+            <a:pPr marL="182563" indent="-182563">
+              <a:buClr>
+                <a:srgbClr val="00CC00"/>
+              </a:buClr>
+              <a:buFont typeface="Wingdings" pitchFamily="2" charset="2"/>
+              <a:buChar char="n"/>
+            </a:pPr>
+            <a:r>
+              <a:rPr lang="en-US" altLang="ko-KR" sz="1400" dirty="0" smtClean="0">
+                <a:ea typeface="Verdana" pitchFamily="34" charset="0"/>
+                <a:cs typeface="Verdana" pitchFamily="34" charset="0"/>
+              </a:rPr>
+              <a:t>Small malware sample</a:t>
+            </a:r>
+          </a:p>
+          <a:p>
+            <a:pPr marL="182563" indent="-182563">
+              <a:buClr>
+                <a:srgbClr val="00CC00"/>
+              </a:buClr>
+              <a:buFont typeface="Wingdings" pitchFamily="2" charset="2"/>
+              <a:buChar char="n"/>
+            </a:pPr>
+            <a:r>
+              <a:rPr lang="en-US" altLang="ko-KR" sz="1400" dirty="0" smtClean="0">
+                <a:ea typeface="Verdana" pitchFamily="34" charset="0"/>
+                <a:cs typeface="Verdana" pitchFamily="34" charset="0"/>
+              </a:rPr>
+              <a:t>Database design </a:t>
+            </a:r>
+          </a:p>
+          <a:p>
+            <a:pPr marL="182563" indent="-182563">
+              <a:buClr>
+                <a:srgbClr val="00CC00"/>
+              </a:buClr>
+              <a:buFont typeface="Wingdings" pitchFamily="2" charset="2"/>
+              <a:buChar char="n"/>
+            </a:pPr>
             <a:endParaRPr lang="en-US" altLang="zh-CN" sz="1200" dirty="0" smtClean="0">
               <a:ea typeface="Verdana" pitchFamily="34" charset="0"/>
               <a:cs typeface="Verdana" pitchFamily="34" charset="0"/>
@@ -4132,7 +4544,7 @@
               <a:buFont typeface="Wingdings" pitchFamily="2" charset="2"/>
               <a:buChar char="n"/>
             </a:pPr>
-            <a:endParaRPr lang="en-US" altLang="zh-CN" sz="1200" dirty="0">
+            <a:endParaRPr lang="en-US" altLang="zh-CN" sz="1400" dirty="0" smtClean="0">
               <a:ea typeface="Verdana" pitchFamily="34" charset="0"/>
               <a:cs typeface="Verdana" pitchFamily="34" charset="0"/>
             </a:endParaRPr>
@@ -4142,7 +4554,7 @@
     </p:spTree>
     <p:extLst>
       <p:ext uri="{BB962C8B-B14F-4D97-AF65-F5344CB8AC3E}">
-        <p14:creationId xmlns:p14="http://schemas.microsoft.com/office/powerpoint/2010/main" xmlns="" val="3659967953"/>
+        <p14:creationId xmlns:p14="http://schemas.microsoft.com/office/powerpoint/2010/main" val="3659967953"/>
       </p:ext>
     </p:extLst>
   </p:cSld>
